--- a/开题报告 周弘毅 钟吴子正 陈骤 魏毓瞳.pptx
+++ b/开题报告 周弘毅 钟吴子正 陈骤 魏毓瞳.pptx
@@ -4,15 +4,22 @@
   <p:sldMasterIdLst>
     <p:sldMasterId id="2147483648" r:id="rId1"/>
   </p:sldMasterIdLst>
+  <p:notesMasterIdLst>
+    <p:notesMasterId r:id="rId14"/>
+  </p:notesMasterIdLst>
   <p:sldIdLst>
     <p:sldId id="256" r:id="rId2"/>
     <p:sldId id="257" r:id="rId3"/>
     <p:sldId id="258" r:id="rId4"/>
     <p:sldId id="262" r:id="rId5"/>
     <p:sldId id="270" r:id="rId6"/>
-    <p:sldId id="261" r:id="rId7"/>
-    <p:sldId id="268" r:id="rId8"/>
-    <p:sldId id="269" r:id="rId9"/>
+    <p:sldId id="266" r:id="rId7"/>
+    <p:sldId id="267" r:id="rId8"/>
+    <p:sldId id="263" r:id="rId9"/>
+    <p:sldId id="261" r:id="rId10"/>
+    <p:sldId id="268" r:id="rId11"/>
+    <p:sldId id="269" r:id="rId12"/>
+    <p:sldId id="271" r:id="rId13"/>
   </p:sldIdLst>
   <p:sldSz cx="12192000" cy="6858000"/>
   <p:notesSz cx="6858000" cy="9144000"/>
@@ -8840,6 +8847,439 @@
 </dgm:styleDef>
 </file>
 
+<file path=ppt/notesMasters/notesMaster1.xml><?xml version="1.0" encoding="utf-8"?>
+<p:notesMaster xmlns:a="http://schemas.openxmlformats.org/drawingml/2006/main" xmlns:r="http://schemas.openxmlformats.org/officeDocument/2006/relationships" xmlns:p="http://schemas.openxmlformats.org/presentationml/2006/main">
+  <p:cSld>
+    <p:bg>
+      <p:bgRef idx="1001">
+        <a:schemeClr val="bg1"/>
+      </p:bgRef>
+    </p:bg>
+    <p:spTree>
+      <p:nvGrpSpPr>
+        <p:cNvPr id="1" name=""/>
+        <p:cNvGrpSpPr/>
+        <p:nvPr/>
+      </p:nvGrpSpPr>
+      <p:grpSpPr>
+        <a:xfrm>
+          <a:off x="0" y="0"/>
+          <a:ext cx="0" cy="0"/>
+          <a:chOff x="0" y="0"/>
+          <a:chExt cx="0" cy="0"/>
+        </a:xfrm>
+      </p:grpSpPr>
+      <p:sp>
+        <p:nvSpPr>
+          <p:cNvPr id="2" name="页眉占位符 1"/>
+          <p:cNvSpPr>
+            <a:spLocks noGrp="1"/>
+          </p:cNvSpPr>
+          <p:nvPr>
+            <p:ph type="hdr" sz="quarter"/>
+          </p:nvPr>
+        </p:nvSpPr>
+        <p:spPr>
+          <a:xfrm>
+            <a:off x="0" y="0"/>
+            <a:ext cx="2971800" cy="458788"/>
+          </a:xfrm>
+          <a:prstGeom prst="rect">
+            <a:avLst/>
+          </a:prstGeom>
+        </p:spPr>
+        <p:txBody>
+          <a:bodyPr vert="horz" lIns="91440" tIns="45720" rIns="91440" bIns="45720" rtlCol="0"/>
+          <a:lstStyle>
+            <a:lvl1pPr algn="l">
+              <a:defRPr sz="1200"/>
+            </a:lvl1pPr>
+          </a:lstStyle>
+          <a:p>
+            <a:endParaRPr lang="zh-CN" altLang="en-US"/>
+          </a:p>
+        </p:txBody>
+      </p:sp>
+      <p:sp>
+        <p:nvSpPr>
+          <p:cNvPr id="3" name="日期占位符 2"/>
+          <p:cNvSpPr>
+            <a:spLocks noGrp="1"/>
+          </p:cNvSpPr>
+          <p:nvPr>
+            <p:ph type="dt" idx="1"/>
+          </p:nvPr>
+        </p:nvSpPr>
+        <p:spPr>
+          <a:xfrm>
+            <a:off x="3884613" y="0"/>
+            <a:ext cx="2971800" cy="458788"/>
+          </a:xfrm>
+          <a:prstGeom prst="rect">
+            <a:avLst/>
+          </a:prstGeom>
+        </p:spPr>
+        <p:txBody>
+          <a:bodyPr vert="horz" lIns="91440" tIns="45720" rIns="91440" bIns="45720" rtlCol="0"/>
+          <a:lstStyle>
+            <a:lvl1pPr algn="r">
+              <a:defRPr sz="1200"/>
+            </a:lvl1pPr>
+          </a:lstStyle>
+          <a:p>
+            <a:fld id="{38F9DC1B-1992-42C9-984D-B5C8D0239BB5}" type="datetimeFigureOut">
+              <a:rPr lang="zh-CN" altLang="en-US" smtClean="0"/>
+              <a:t>2022.10.8</a:t>
+            </a:fld>
+            <a:endParaRPr lang="zh-CN" altLang="en-US"/>
+          </a:p>
+        </p:txBody>
+      </p:sp>
+      <p:sp>
+        <p:nvSpPr>
+          <p:cNvPr id="4" name="幻灯片图像占位符 3"/>
+          <p:cNvSpPr>
+            <a:spLocks noGrp="1" noRot="1" noChangeAspect="1"/>
+          </p:cNvSpPr>
+          <p:nvPr>
+            <p:ph type="sldImg" idx="2"/>
+          </p:nvPr>
+        </p:nvSpPr>
+        <p:spPr>
+          <a:xfrm>
+            <a:off x="685800" y="1143000"/>
+            <a:ext cx="5486400" cy="3086100"/>
+          </a:xfrm>
+          <a:prstGeom prst="rect">
+            <a:avLst/>
+          </a:prstGeom>
+          <a:noFill/>
+          <a:ln w="12700">
+            <a:solidFill>
+              <a:prstClr val="black"/>
+            </a:solidFill>
+          </a:ln>
+        </p:spPr>
+        <p:txBody>
+          <a:bodyPr vert="horz" lIns="91440" tIns="45720" rIns="91440" bIns="45720" rtlCol="0" anchor="ctr"/>
+          <a:lstStyle/>
+          <a:p>
+            <a:endParaRPr lang="zh-CN" altLang="en-US"/>
+          </a:p>
+        </p:txBody>
+      </p:sp>
+      <p:sp>
+        <p:nvSpPr>
+          <p:cNvPr id="5" name="备注占位符 4"/>
+          <p:cNvSpPr>
+            <a:spLocks noGrp="1"/>
+          </p:cNvSpPr>
+          <p:nvPr>
+            <p:ph type="body" sz="quarter" idx="3"/>
+          </p:nvPr>
+        </p:nvSpPr>
+        <p:spPr>
+          <a:xfrm>
+            <a:off x="685800" y="4400550"/>
+            <a:ext cx="5486400" cy="3600450"/>
+          </a:xfrm>
+          <a:prstGeom prst="rect">
+            <a:avLst/>
+          </a:prstGeom>
+        </p:spPr>
+        <p:txBody>
+          <a:bodyPr vert="horz" lIns="91440" tIns="45720" rIns="91440" bIns="45720" rtlCol="0"/>
+          <a:lstStyle/>
+          <a:p>
+            <a:pPr lvl="0"/>
+            <a:r>
+              <a:rPr lang="zh-CN" altLang="en-US"/>
+              <a:t>单击此处编辑母版文本样式</a:t>
+            </a:r>
+          </a:p>
+          <a:p>
+            <a:pPr lvl="1"/>
+            <a:r>
+              <a:rPr lang="zh-CN" altLang="en-US"/>
+              <a:t>二级</a:t>
+            </a:r>
+          </a:p>
+          <a:p>
+            <a:pPr lvl="2"/>
+            <a:r>
+              <a:rPr lang="zh-CN" altLang="en-US"/>
+              <a:t>三级</a:t>
+            </a:r>
+          </a:p>
+          <a:p>
+            <a:pPr lvl="3"/>
+            <a:r>
+              <a:rPr lang="zh-CN" altLang="en-US"/>
+              <a:t>四级</a:t>
+            </a:r>
+          </a:p>
+          <a:p>
+            <a:pPr lvl="4"/>
+            <a:r>
+              <a:rPr lang="zh-CN" altLang="en-US"/>
+              <a:t>五级</a:t>
+            </a:r>
+          </a:p>
+        </p:txBody>
+      </p:sp>
+      <p:sp>
+        <p:nvSpPr>
+          <p:cNvPr id="6" name="页脚占位符 5"/>
+          <p:cNvSpPr>
+            <a:spLocks noGrp="1"/>
+          </p:cNvSpPr>
+          <p:nvPr>
+            <p:ph type="ftr" sz="quarter" idx="4"/>
+          </p:nvPr>
+        </p:nvSpPr>
+        <p:spPr>
+          <a:xfrm>
+            <a:off x="0" y="8685213"/>
+            <a:ext cx="2971800" cy="458787"/>
+          </a:xfrm>
+          <a:prstGeom prst="rect">
+            <a:avLst/>
+          </a:prstGeom>
+        </p:spPr>
+        <p:txBody>
+          <a:bodyPr vert="horz" lIns="91440" tIns="45720" rIns="91440" bIns="45720" rtlCol="0" anchor="b"/>
+          <a:lstStyle>
+            <a:lvl1pPr algn="l">
+              <a:defRPr sz="1200"/>
+            </a:lvl1pPr>
+          </a:lstStyle>
+          <a:p>
+            <a:endParaRPr lang="zh-CN" altLang="en-US"/>
+          </a:p>
+        </p:txBody>
+      </p:sp>
+      <p:sp>
+        <p:nvSpPr>
+          <p:cNvPr id="7" name="灯片编号占位符 6"/>
+          <p:cNvSpPr>
+            <a:spLocks noGrp="1"/>
+          </p:cNvSpPr>
+          <p:nvPr>
+            <p:ph type="sldNum" sz="quarter" idx="5"/>
+          </p:nvPr>
+        </p:nvSpPr>
+        <p:spPr>
+          <a:xfrm>
+            <a:off x="3884613" y="8685213"/>
+            <a:ext cx="2971800" cy="458787"/>
+          </a:xfrm>
+          <a:prstGeom prst="rect">
+            <a:avLst/>
+          </a:prstGeom>
+        </p:spPr>
+        <p:txBody>
+          <a:bodyPr vert="horz" lIns="91440" tIns="45720" rIns="91440" bIns="45720" rtlCol="0" anchor="b"/>
+          <a:lstStyle>
+            <a:lvl1pPr algn="r">
+              <a:defRPr sz="1200"/>
+            </a:lvl1pPr>
+          </a:lstStyle>
+          <a:p>
+            <a:fld id="{7FC7F8F5-4843-4BDB-93F1-5A1BE5C3C5E4}" type="slidenum">
+              <a:rPr lang="zh-CN" altLang="en-US" smtClean="0"/>
+              <a:t>‹#›</a:t>
+            </a:fld>
+            <a:endParaRPr lang="zh-CN" altLang="en-US"/>
+          </a:p>
+        </p:txBody>
+      </p:sp>
+    </p:spTree>
+    <p:extLst>
+      <p:ext uri="{BB962C8B-B14F-4D97-AF65-F5344CB8AC3E}">
+        <p14:creationId xmlns:p14="http://schemas.microsoft.com/office/powerpoint/2010/main" val="3444051704"/>
+      </p:ext>
+    </p:extLst>
+  </p:cSld>
+  <p:clrMap bg1="lt1" tx1="dk1" bg2="lt2" tx2="dk2" accent1="accent1" accent2="accent2" accent3="accent3" accent4="accent4" accent5="accent5" accent6="accent6" hlink="hlink" folHlink="folHlink"/>
+  <p:notesStyle>
+    <a:lvl1pPr marL="0" algn="l" defTabSz="914400" rtl="0" eaLnBrk="1" latinLnBrk="0" hangingPunct="1">
+      <a:defRPr sz="1200" kern="1200">
+        <a:solidFill>
+          <a:schemeClr val="tx1"/>
+        </a:solidFill>
+        <a:latin typeface="+mn-lt"/>
+        <a:ea typeface="+mn-ea"/>
+        <a:cs typeface="+mn-cs"/>
+      </a:defRPr>
+    </a:lvl1pPr>
+    <a:lvl2pPr marL="457200" algn="l" defTabSz="914400" rtl="0" eaLnBrk="1" latinLnBrk="0" hangingPunct="1">
+      <a:defRPr sz="1200" kern="1200">
+        <a:solidFill>
+          <a:schemeClr val="tx1"/>
+        </a:solidFill>
+        <a:latin typeface="+mn-lt"/>
+        <a:ea typeface="+mn-ea"/>
+        <a:cs typeface="+mn-cs"/>
+      </a:defRPr>
+    </a:lvl2pPr>
+    <a:lvl3pPr marL="914400" algn="l" defTabSz="914400" rtl="0" eaLnBrk="1" latinLnBrk="0" hangingPunct="1">
+      <a:defRPr sz="1200" kern="1200">
+        <a:solidFill>
+          <a:schemeClr val="tx1"/>
+        </a:solidFill>
+        <a:latin typeface="+mn-lt"/>
+        <a:ea typeface="+mn-ea"/>
+        <a:cs typeface="+mn-cs"/>
+      </a:defRPr>
+    </a:lvl3pPr>
+    <a:lvl4pPr marL="1371600" algn="l" defTabSz="914400" rtl="0" eaLnBrk="1" latinLnBrk="0" hangingPunct="1">
+      <a:defRPr sz="1200" kern="1200">
+        <a:solidFill>
+          <a:schemeClr val="tx1"/>
+        </a:solidFill>
+        <a:latin typeface="+mn-lt"/>
+        <a:ea typeface="+mn-ea"/>
+        <a:cs typeface="+mn-cs"/>
+      </a:defRPr>
+    </a:lvl4pPr>
+    <a:lvl5pPr marL="1828800" algn="l" defTabSz="914400" rtl="0" eaLnBrk="1" latinLnBrk="0" hangingPunct="1">
+      <a:defRPr sz="1200" kern="1200">
+        <a:solidFill>
+          <a:schemeClr val="tx1"/>
+        </a:solidFill>
+        <a:latin typeface="+mn-lt"/>
+        <a:ea typeface="+mn-ea"/>
+        <a:cs typeface="+mn-cs"/>
+      </a:defRPr>
+    </a:lvl5pPr>
+    <a:lvl6pPr marL="2286000" algn="l" defTabSz="914400" rtl="0" eaLnBrk="1" latinLnBrk="0" hangingPunct="1">
+      <a:defRPr sz="1200" kern="1200">
+        <a:solidFill>
+          <a:schemeClr val="tx1"/>
+        </a:solidFill>
+        <a:latin typeface="+mn-lt"/>
+        <a:ea typeface="+mn-ea"/>
+        <a:cs typeface="+mn-cs"/>
+      </a:defRPr>
+    </a:lvl6pPr>
+    <a:lvl7pPr marL="2743200" algn="l" defTabSz="914400" rtl="0" eaLnBrk="1" latinLnBrk="0" hangingPunct="1">
+      <a:defRPr sz="1200" kern="1200">
+        <a:solidFill>
+          <a:schemeClr val="tx1"/>
+        </a:solidFill>
+        <a:latin typeface="+mn-lt"/>
+        <a:ea typeface="+mn-ea"/>
+        <a:cs typeface="+mn-cs"/>
+      </a:defRPr>
+    </a:lvl7pPr>
+    <a:lvl8pPr marL="3200400" algn="l" defTabSz="914400" rtl="0" eaLnBrk="1" latinLnBrk="0" hangingPunct="1">
+      <a:defRPr sz="1200" kern="1200">
+        <a:solidFill>
+          <a:schemeClr val="tx1"/>
+        </a:solidFill>
+        <a:latin typeface="+mn-lt"/>
+        <a:ea typeface="+mn-ea"/>
+        <a:cs typeface="+mn-cs"/>
+      </a:defRPr>
+    </a:lvl8pPr>
+    <a:lvl9pPr marL="3657600" algn="l" defTabSz="914400" rtl="0" eaLnBrk="1" latinLnBrk="0" hangingPunct="1">
+      <a:defRPr sz="1200" kern="1200">
+        <a:solidFill>
+          <a:schemeClr val="tx1"/>
+        </a:solidFill>
+        <a:latin typeface="+mn-lt"/>
+        <a:ea typeface="+mn-ea"/>
+        <a:cs typeface="+mn-cs"/>
+      </a:defRPr>
+    </a:lvl9pPr>
+  </p:notesStyle>
+</p:notesMaster>
+</file>
+
+<file path=ppt/notesSlides/notesSlide1.xml><?xml version="1.0" encoding="utf-8"?>
+<p:notes xmlns:a="http://schemas.openxmlformats.org/drawingml/2006/main" xmlns:r="http://schemas.openxmlformats.org/officeDocument/2006/relationships" xmlns:p="http://schemas.openxmlformats.org/presentationml/2006/main">
+  <p:cSld>
+    <p:spTree>
+      <p:nvGrpSpPr>
+        <p:cNvPr id="1" name=""/>
+        <p:cNvGrpSpPr/>
+        <p:nvPr/>
+      </p:nvGrpSpPr>
+      <p:grpSpPr>
+        <a:xfrm>
+          <a:off x="0" y="0"/>
+          <a:ext cx="0" cy="0"/>
+          <a:chOff x="0" y="0"/>
+          <a:chExt cx="0" cy="0"/>
+        </a:xfrm>
+      </p:grpSpPr>
+      <p:sp>
+        <p:nvSpPr>
+          <p:cNvPr id="2" name="幻灯片图像占位符 1"/>
+          <p:cNvSpPr>
+            <a:spLocks noGrp="1" noRot="1" noChangeAspect="1"/>
+          </p:cNvSpPr>
+          <p:nvPr>
+            <p:ph type="sldImg"/>
+          </p:nvPr>
+        </p:nvSpPr>
+        <p:spPr/>
+      </p:sp>
+      <p:sp>
+        <p:nvSpPr>
+          <p:cNvPr id="3" name="备注占位符 2"/>
+          <p:cNvSpPr>
+            <a:spLocks noGrp="1"/>
+          </p:cNvSpPr>
+          <p:nvPr>
+            <p:ph type="body" idx="1"/>
+          </p:nvPr>
+        </p:nvSpPr>
+        <p:spPr/>
+        <p:txBody>
+          <a:bodyPr/>
+          <a:lstStyle/>
+          <a:p>
+            <a:endParaRPr lang="zh-CN" altLang="en-US" dirty="0"/>
+          </a:p>
+        </p:txBody>
+      </p:sp>
+      <p:sp>
+        <p:nvSpPr>
+          <p:cNvPr id="4" name="灯片编号占位符 3"/>
+          <p:cNvSpPr>
+            <a:spLocks noGrp="1"/>
+          </p:cNvSpPr>
+          <p:nvPr>
+            <p:ph type="sldNum" sz="quarter" idx="5"/>
+          </p:nvPr>
+        </p:nvSpPr>
+        <p:spPr/>
+        <p:txBody>
+          <a:bodyPr/>
+          <a:lstStyle/>
+          <a:p>
+            <a:fld id="{7FC7F8F5-4843-4BDB-93F1-5A1BE5C3C5E4}" type="slidenum">
+              <a:rPr lang="zh-CN" altLang="en-US" smtClean="0"/>
+              <a:t>6</a:t>
+            </a:fld>
+            <a:endParaRPr lang="zh-CN" altLang="en-US"/>
+          </a:p>
+        </p:txBody>
+      </p:sp>
+    </p:spTree>
+    <p:extLst>
+      <p:ext uri="{BB962C8B-B14F-4D97-AF65-F5344CB8AC3E}">
+        <p14:creationId xmlns:p14="http://schemas.microsoft.com/office/powerpoint/2010/main" val="585499421"/>
+      </p:ext>
+    </p:extLst>
+  </p:cSld>
+  <p:clrMapOvr>
+    <a:masterClrMapping/>
+  </p:clrMapOvr>
+</p:notes>
+</file>
+
 <file path=ppt/slideLayouts/slideLayout1.xml><?xml version="1.0" encoding="utf-8"?>
 <p:sldLayout xmlns:a="http://schemas.openxmlformats.org/drawingml/2006/main" xmlns:r="http://schemas.openxmlformats.org/officeDocument/2006/relationships" xmlns:p="http://schemas.openxmlformats.org/presentationml/2006/main" type="title" preserve="1">
   <p:cSld name="标题幻灯片">
@@ -12221,6 +12661,643 @@
 </p:sld>
 </file>
 
+<file path=ppt/slides/slide10.xml><?xml version="1.0" encoding="utf-8"?>
+<p:sld xmlns:a="http://schemas.openxmlformats.org/drawingml/2006/main" xmlns:r="http://schemas.openxmlformats.org/officeDocument/2006/relationships" xmlns:p="http://schemas.openxmlformats.org/presentationml/2006/main">
+  <p:cSld>
+    <p:spTree>
+      <p:nvGrpSpPr>
+        <p:cNvPr id="1" name=""/>
+        <p:cNvGrpSpPr/>
+        <p:nvPr/>
+      </p:nvGrpSpPr>
+      <p:grpSpPr>
+        <a:xfrm>
+          <a:off x="0" y="0"/>
+          <a:ext cx="0" cy="0"/>
+          <a:chOff x="0" y="0"/>
+          <a:chExt cx="0" cy="0"/>
+        </a:xfrm>
+      </p:grpSpPr>
+      <p:sp>
+        <p:nvSpPr>
+          <p:cNvPr id="2" name="TextBox 1">
+            <a:extLst>
+              <a:ext uri="{FF2B5EF4-FFF2-40B4-BE49-F238E27FC236}">
+                <a16:creationId xmlns:a16="http://schemas.microsoft.com/office/drawing/2014/main" id="{1A5769DC-DD36-4758-551E-E481147434B0}"/>
+              </a:ext>
+            </a:extLst>
+          </p:cNvPr>
+          <p:cNvSpPr txBox="1"/>
+          <p:nvPr/>
+        </p:nvSpPr>
+        <p:spPr>
+          <a:xfrm>
+            <a:off x="933979" y="1590841"/>
+            <a:ext cx="10415893" cy="4336893"/>
+          </a:xfrm>
+          <a:prstGeom prst="rect">
+            <a:avLst/>
+          </a:prstGeom>
+          <a:noFill/>
+        </p:spPr>
+        <p:txBody>
+          <a:bodyPr wrap="square" lIns="72000" rIns="108000" rtlCol="0">
+            <a:spAutoFit/>
+          </a:bodyPr>
+          <a:lstStyle/>
+          <a:p>
+            <a:pPr marL="457200" indent="-457200">
+              <a:lnSpc>
+                <a:spcPct val="150000"/>
+              </a:lnSpc>
+              <a:buFont typeface="Wingdings" panose="05000000000000000000" pitchFamily="2" charset="2"/>
+              <a:buChar char="Ø"/>
+            </a:pPr>
+            <a:r>
+              <a:rPr lang="en-CN" sz="2800" dirty="0">
+                <a:solidFill>
+                  <a:schemeClr val="accent2">
+                    <a:lumMod val="75000"/>
+                  </a:schemeClr>
+                </a:solidFill>
+                <a:latin typeface="方正粗黑宋简体" panose="02000000000000000000" pitchFamily="2" charset="-122"/>
+                <a:ea typeface="方正粗黑宋简体" panose="02000000000000000000" pitchFamily="2" charset="-122"/>
+              </a:rPr>
+              <a:t>原理图及PCB设计</a:t>
+            </a:r>
+            <a:r>
+              <a:rPr lang="zh-CN" altLang="en-US" sz="2800" dirty="0">
+                <a:solidFill>
+                  <a:schemeClr val="accent2">
+                    <a:lumMod val="75000"/>
+                  </a:schemeClr>
+                </a:solidFill>
+                <a:latin typeface="方正粗黑宋简体" panose="02000000000000000000" pitchFamily="2" charset="-122"/>
+                <a:ea typeface="方正粗黑宋简体" panose="02000000000000000000" pitchFamily="2" charset="-122"/>
+              </a:rPr>
+              <a:t>，焊接与测试</a:t>
+            </a:r>
+            <a:r>
+              <a:rPr lang="en-US" altLang="zh-CN" sz="2800" dirty="0">
+                <a:solidFill>
+                  <a:schemeClr val="accent2">
+                    <a:lumMod val="75000"/>
+                  </a:schemeClr>
+                </a:solidFill>
+                <a:latin typeface="方正粗黑宋简体" panose="02000000000000000000" pitchFamily="2" charset="-122"/>
+                <a:ea typeface="方正粗黑宋简体" panose="02000000000000000000" pitchFamily="2" charset="-122"/>
+              </a:rPr>
+              <a:t>-------------</a:t>
+            </a:r>
+            <a:r>
+              <a:rPr lang="zh-CN" altLang="en-US" sz="2800" dirty="0">
+                <a:solidFill>
+                  <a:schemeClr val="accent2">
+                    <a:lumMod val="75000"/>
+                  </a:schemeClr>
+                </a:solidFill>
+                <a:latin typeface="方正粗黑宋简体" panose="02000000000000000000" pitchFamily="2" charset="-122"/>
+                <a:ea typeface="方正粗黑宋简体" panose="02000000000000000000" pitchFamily="2" charset="-122"/>
+              </a:rPr>
+              <a:t>周弘毅</a:t>
+            </a:r>
+            <a:endParaRPr lang="en-US" altLang="zh-CN" sz="2800" dirty="0">
+              <a:solidFill>
+                <a:schemeClr val="accent2">
+                  <a:lumMod val="75000"/>
+                </a:schemeClr>
+              </a:solidFill>
+              <a:latin typeface="方正粗黑宋简体" panose="02000000000000000000" pitchFamily="2" charset="-122"/>
+              <a:ea typeface="方正粗黑宋简体" panose="02000000000000000000" pitchFamily="2" charset="-122"/>
+            </a:endParaRPr>
+          </a:p>
+          <a:p>
+            <a:pPr marL="457200" indent="-457200">
+              <a:lnSpc>
+                <a:spcPct val="150000"/>
+              </a:lnSpc>
+              <a:buFont typeface="Wingdings" panose="05000000000000000000" pitchFamily="2" charset="2"/>
+              <a:buChar char="Ø"/>
+            </a:pPr>
+            <a:r>
+              <a:rPr lang="zh-CN" altLang="en-US" sz="2800" dirty="0">
+                <a:solidFill>
+                  <a:schemeClr val="accent1">
+                    <a:lumMod val="75000"/>
+                  </a:schemeClr>
+                </a:solidFill>
+                <a:latin typeface="方正粗黑宋简体" panose="02000000000000000000" pitchFamily="2" charset="-122"/>
+                <a:ea typeface="方正粗黑宋简体" panose="02000000000000000000" pitchFamily="2" charset="-122"/>
+              </a:rPr>
+              <a:t>电路仿真、嵌入式编程与部分算法实现</a:t>
+            </a:r>
+            <a:r>
+              <a:rPr lang="en-US" altLang="zh-CN" sz="2800" dirty="0">
+                <a:solidFill>
+                  <a:schemeClr val="accent1">
+                    <a:lumMod val="75000"/>
+                  </a:schemeClr>
+                </a:solidFill>
+                <a:latin typeface="方正粗黑宋简体" panose="02000000000000000000" pitchFamily="2" charset="-122"/>
+                <a:ea typeface="方正粗黑宋简体" panose="02000000000000000000" pitchFamily="2" charset="-122"/>
+              </a:rPr>
+              <a:t>-------</a:t>
+            </a:r>
+            <a:r>
+              <a:rPr lang="zh-CN" altLang="en-US" sz="2800" dirty="0">
+                <a:solidFill>
+                  <a:schemeClr val="accent1">
+                    <a:lumMod val="75000"/>
+                  </a:schemeClr>
+                </a:solidFill>
+                <a:latin typeface="方正粗黑宋简体" panose="02000000000000000000" pitchFamily="2" charset="-122"/>
+                <a:ea typeface="方正粗黑宋简体" panose="02000000000000000000" pitchFamily="2" charset="-122"/>
+              </a:rPr>
+              <a:t>钟吴子正</a:t>
+            </a:r>
+            <a:endParaRPr lang="en-US" altLang="zh-CN" sz="2800" dirty="0">
+              <a:solidFill>
+                <a:schemeClr val="accent1">
+                  <a:lumMod val="75000"/>
+                </a:schemeClr>
+              </a:solidFill>
+              <a:latin typeface="方正粗黑宋简体" panose="02000000000000000000" pitchFamily="2" charset="-122"/>
+              <a:ea typeface="方正粗黑宋简体" panose="02000000000000000000" pitchFamily="2" charset="-122"/>
+            </a:endParaRPr>
+          </a:p>
+          <a:p>
+            <a:pPr marL="457200" indent="-457200">
+              <a:lnSpc>
+                <a:spcPct val="150000"/>
+              </a:lnSpc>
+              <a:buFont typeface="Wingdings" panose="05000000000000000000" pitchFamily="2" charset="2"/>
+              <a:buChar char="Ø"/>
+            </a:pPr>
+            <a:r>
+              <a:rPr lang="zh-CN" altLang="en-US" sz="2800" dirty="0">
+                <a:solidFill>
+                  <a:schemeClr val="accent2">
+                    <a:lumMod val="75000"/>
+                  </a:schemeClr>
+                </a:solidFill>
+                <a:latin typeface="方正粗黑宋简体" panose="02000000000000000000" pitchFamily="2" charset="-122"/>
+                <a:ea typeface="方正粗黑宋简体" panose="02000000000000000000" pitchFamily="2" charset="-122"/>
+              </a:rPr>
+              <a:t>控制逻辑与部分算法实现</a:t>
+            </a:r>
+            <a:r>
+              <a:rPr lang="en-US" altLang="zh-CN" sz="2800" dirty="0">
+                <a:solidFill>
+                  <a:schemeClr val="accent2">
+                    <a:lumMod val="75000"/>
+                  </a:schemeClr>
+                </a:solidFill>
+                <a:latin typeface="方正粗黑宋简体" panose="02000000000000000000" pitchFamily="2" charset="-122"/>
+                <a:ea typeface="方正粗黑宋简体" panose="02000000000000000000" pitchFamily="2" charset="-122"/>
+              </a:rPr>
+              <a:t>-------------------</a:t>
+            </a:r>
+            <a:r>
+              <a:rPr lang="zh-CN" altLang="en-US" sz="2800" dirty="0">
+                <a:solidFill>
+                  <a:schemeClr val="accent2">
+                    <a:lumMod val="75000"/>
+                  </a:schemeClr>
+                </a:solidFill>
+                <a:latin typeface="方正粗黑宋简体" panose="02000000000000000000" pitchFamily="2" charset="-122"/>
+                <a:ea typeface="方正粗黑宋简体" panose="02000000000000000000" pitchFamily="2" charset="-122"/>
+              </a:rPr>
+              <a:t>陈骤</a:t>
+            </a:r>
+            <a:endParaRPr lang="en-US" altLang="zh-CN" sz="2800" dirty="0">
+              <a:solidFill>
+                <a:schemeClr val="accent2">
+                  <a:lumMod val="75000"/>
+                </a:schemeClr>
+              </a:solidFill>
+              <a:latin typeface="方正粗黑宋简体" panose="02000000000000000000" pitchFamily="2" charset="-122"/>
+              <a:ea typeface="方正粗黑宋简体" panose="02000000000000000000" pitchFamily="2" charset="-122"/>
+            </a:endParaRPr>
+          </a:p>
+          <a:p>
+            <a:pPr marL="457200" indent="-457200">
+              <a:lnSpc>
+                <a:spcPct val="150000"/>
+              </a:lnSpc>
+              <a:buFont typeface="Wingdings" panose="05000000000000000000" pitchFamily="2" charset="2"/>
+              <a:buChar char="Ø"/>
+            </a:pPr>
+            <a:r>
+              <a:rPr lang="zh-CN" altLang="en-US" sz="2800" dirty="0">
+                <a:solidFill>
+                  <a:schemeClr val="accent1">
+                    <a:lumMod val="75000"/>
+                  </a:schemeClr>
+                </a:solidFill>
+                <a:latin typeface="方正粗黑宋简体" panose="02000000000000000000" pitchFamily="2" charset="-122"/>
+                <a:ea typeface="方正粗黑宋简体" panose="02000000000000000000" pitchFamily="2" charset="-122"/>
+              </a:rPr>
+              <a:t>机械结构设计与电路测试</a:t>
+            </a:r>
+            <a:r>
+              <a:rPr lang="en-US" altLang="zh-CN" sz="2800" dirty="0">
+                <a:solidFill>
+                  <a:schemeClr val="accent1">
+                    <a:lumMod val="75000"/>
+                  </a:schemeClr>
+                </a:solidFill>
+                <a:latin typeface="方正粗黑宋简体" panose="02000000000000000000" pitchFamily="2" charset="-122"/>
+                <a:ea typeface="方正粗黑宋简体" panose="02000000000000000000" pitchFamily="2" charset="-122"/>
+              </a:rPr>
+              <a:t>------------------</a:t>
+            </a:r>
+            <a:r>
+              <a:rPr lang="zh-CN" altLang="en-US" sz="2800" dirty="0">
+                <a:solidFill>
+                  <a:schemeClr val="accent1">
+                    <a:lumMod val="75000"/>
+                  </a:schemeClr>
+                </a:solidFill>
+                <a:latin typeface="方正粗黑宋简体" panose="02000000000000000000" pitchFamily="2" charset="-122"/>
+                <a:ea typeface="方正粗黑宋简体" panose="02000000000000000000" pitchFamily="2" charset="-122"/>
+              </a:rPr>
+              <a:t>魏毓瞳</a:t>
+            </a:r>
+            <a:endParaRPr lang="en-US" altLang="zh-CN" sz="2800" dirty="0">
+              <a:solidFill>
+                <a:schemeClr val="accent1">
+                  <a:lumMod val="75000"/>
+                </a:schemeClr>
+              </a:solidFill>
+              <a:latin typeface="方正粗黑宋简体" panose="02000000000000000000" pitchFamily="2" charset="-122"/>
+              <a:ea typeface="方正粗黑宋简体" panose="02000000000000000000" pitchFamily="2" charset="-122"/>
+            </a:endParaRPr>
+          </a:p>
+          <a:p>
+            <a:pPr marL="457200" indent="-457200">
+              <a:lnSpc>
+                <a:spcPct val="150000"/>
+              </a:lnSpc>
+              <a:buFont typeface="Wingdings" panose="05000000000000000000" pitchFamily="2" charset="2"/>
+              <a:buChar char="Ø"/>
+            </a:pPr>
+            <a:r>
+              <a:rPr lang="zh-CN" altLang="en-US" sz="2800" dirty="0">
+                <a:solidFill>
+                  <a:srgbClr val="C00000"/>
+                </a:solidFill>
+                <a:latin typeface="方正粗黑宋简体" panose="02000000000000000000" pitchFamily="2" charset="-122"/>
+                <a:ea typeface="方正粗黑宋简体" panose="02000000000000000000" pitchFamily="2" charset="-122"/>
+              </a:rPr>
+              <a:t>元件购买、实验数据记录及报告</a:t>
+            </a:r>
+            <a:r>
+              <a:rPr lang="en-US" altLang="zh-CN" sz="2800" dirty="0">
+                <a:solidFill>
+                  <a:srgbClr val="C00000"/>
+                </a:solidFill>
+                <a:latin typeface="方正粗黑宋简体" panose="02000000000000000000" pitchFamily="2" charset="-122"/>
+                <a:ea typeface="方正粗黑宋简体" panose="02000000000000000000" pitchFamily="2" charset="-122"/>
+              </a:rPr>
+              <a:t>------------</a:t>
+            </a:r>
+            <a:r>
+              <a:rPr lang="zh-CN" altLang="en-US" sz="2800" dirty="0">
+                <a:solidFill>
+                  <a:srgbClr val="C00000"/>
+                </a:solidFill>
+                <a:latin typeface="方正粗黑宋简体" panose="02000000000000000000" pitchFamily="2" charset="-122"/>
+                <a:ea typeface="方正粗黑宋简体" panose="02000000000000000000" pitchFamily="2" charset="-122"/>
+              </a:rPr>
+              <a:t>全体组员</a:t>
+            </a:r>
+            <a:endParaRPr lang="en-US" altLang="zh-CN" sz="2800" dirty="0">
+              <a:solidFill>
+                <a:srgbClr val="C00000"/>
+              </a:solidFill>
+              <a:latin typeface="方正粗黑宋简体" panose="02000000000000000000" pitchFamily="2" charset="-122"/>
+              <a:ea typeface="方正粗黑宋简体" panose="02000000000000000000" pitchFamily="2" charset="-122"/>
+            </a:endParaRPr>
+          </a:p>
+          <a:p>
+            <a:pPr>
+              <a:lnSpc>
+                <a:spcPct val="150000"/>
+              </a:lnSpc>
+            </a:pPr>
+            <a:endParaRPr lang="en-US" altLang="zh-CN" sz="2800" dirty="0">
+              <a:latin typeface="Hei" pitchFamily="2" charset="-122"/>
+              <a:ea typeface="Hei" pitchFamily="2" charset="-122"/>
+            </a:endParaRPr>
+          </a:p>
+          <a:p>
+            <a:pPr algn="ctr">
+              <a:lnSpc>
+                <a:spcPct val="150000"/>
+              </a:lnSpc>
+            </a:pPr>
+            <a:r>
+              <a:rPr lang="en-US" dirty="0">
+                <a:latin typeface="黑体" panose="02010609060101010101" pitchFamily="49" charset="-122"/>
+                <a:ea typeface="黑体" panose="02010609060101010101" pitchFamily="49" charset="-122"/>
+              </a:rPr>
+              <a:t>P.S. </a:t>
+            </a:r>
+            <a:r>
+              <a:rPr lang="zh-CN" altLang="en-US" dirty="0">
+                <a:latin typeface="黑体" panose="02010609060101010101" pitchFamily="49" charset="-122"/>
+                <a:ea typeface="黑体" panose="02010609060101010101" pitchFamily="49" charset="-122"/>
+              </a:rPr>
+              <a:t>代码协作使用</a:t>
+            </a:r>
+            <a:r>
+              <a:rPr lang="en-US" altLang="zh-CN" dirty="0">
+                <a:latin typeface="黑体" panose="02010609060101010101" pitchFamily="49" charset="-122"/>
+                <a:ea typeface="黑体" panose="02010609060101010101" pitchFamily="49" charset="-122"/>
+              </a:rPr>
+              <a:t>CRA</a:t>
+            </a:r>
+            <a:r>
+              <a:rPr lang="zh-CN" altLang="en-US" dirty="0">
+                <a:latin typeface="黑体" panose="02010609060101010101" pitchFamily="49" charset="-122"/>
+                <a:ea typeface="黑体" panose="02010609060101010101" pitchFamily="49" charset="-122"/>
+              </a:rPr>
+              <a:t>提供的</a:t>
+            </a:r>
+            <a:r>
+              <a:rPr lang="en-US" altLang="zh-CN" dirty="0">
+                <a:latin typeface="黑体" panose="02010609060101010101" pitchFamily="49" charset="-122"/>
+                <a:ea typeface="黑体" panose="02010609060101010101" pitchFamily="49" charset="-122"/>
+              </a:rPr>
+              <a:t>GitLab</a:t>
+            </a:r>
+            <a:r>
+              <a:rPr lang="zh-CN" altLang="en-US" dirty="0">
+                <a:latin typeface="黑体" panose="02010609060101010101" pitchFamily="49" charset="-122"/>
+                <a:ea typeface="黑体" panose="02010609060101010101" pitchFamily="49" charset="-122"/>
+              </a:rPr>
+              <a:t>，原理共享与实验记录使用</a:t>
+            </a:r>
+            <a:r>
+              <a:rPr lang="en-US" altLang="zh-CN" dirty="0">
+                <a:latin typeface="黑体" panose="02010609060101010101" pitchFamily="49" charset="-122"/>
+                <a:ea typeface="黑体" panose="02010609060101010101" pitchFamily="49" charset="-122"/>
+              </a:rPr>
+              <a:t>Confluence</a:t>
+            </a:r>
+            <a:endParaRPr lang="en-US" dirty="0">
+              <a:latin typeface="黑体" panose="02010609060101010101" pitchFamily="49" charset="-122"/>
+              <a:ea typeface="黑体" panose="02010609060101010101" pitchFamily="49" charset="-122"/>
+            </a:endParaRPr>
+          </a:p>
+        </p:txBody>
+      </p:sp>
+      <p:sp>
+        <p:nvSpPr>
+          <p:cNvPr id="3" name="文本框 2">
+            <a:extLst>
+              <a:ext uri="{FF2B5EF4-FFF2-40B4-BE49-F238E27FC236}">
+                <a16:creationId xmlns:a16="http://schemas.microsoft.com/office/drawing/2014/main" id="{FB8898B2-2DEA-8BE9-89DE-590C86607347}"/>
+              </a:ext>
+            </a:extLst>
+          </p:cNvPr>
+          <p:cNvSpPr txBox="1"/>
+          <p:nvPr/>
+        </p:nvSpPr>
+        <p:spPr>
+          <a:xfrm>
+            <a:off x="690664" y="450263"/>
+            <a:ext cx="5612859" cy="830997"/>
+          </a:xfrm>
+          <a:prstGeom prst="rect">
+            <a:avLst/>
+          </a:prstGeom>
+          <a:noFill/>
+        </p:spPr>
+        <p:txBody>
+          <a:bodyPr wrap="square" rtlCol="0">
+            <a:spAutoFit/>
+          </a:bodyPr>
+          <a:lstStyle/>
+          <a:p>
+            <a:r>
+              <a:rPr lang="zh-CN" altLang="en-US" sz="4800" dirty="0">
+                <a:solidFill>
+                  <a:srgbClr val="C00000"/>
+                </a:solidFill>
+                <a:latin typeface="方正粗黑宋简体" panose="02000000000000000000" pitchFamily="2" charset="-122"/>
+                <a:ea typeface="方正粗黑宋简体" panose="02000000000000000000" pitchFamily="2" charset="-122"/>
+              </a:rPr>
+              <a:t>组员分工</a:t>
+            </a:r>
+            <a:endParaRPr lang="en-US" altLang="zh-CN" sz="4800" dirty="0">
+              <a:solidFill>
+                <a:srgbClr val="C00000"/>
+              </a:solidFill>
+              <a:latin typeface="方正粗黑宋简体" panose="02000000000000000000" pitchFamily="2" charset="-122"/>
+              <a:ea typeface="方正粗黑宋简体" panose="02000000000000000000" pitchFamily="2" charset="-122"/>
+            </a:endParaRPr>
+          </a:p>
+        </p:txBody>
+      </p:sp>
+    </p:spTree>
+    <p:extLst>
+      <p:ext uri="{BB962C8B-B14F-4D97-AF65-F5344CB8AC3E}">
+        <p14:creationId xmlns:p14="http://schemas.microsoft.com/office/powerpoint/2010/main" val="3330409007"/>
+      </p:ext>
+    </p:extLst>
+  </p:cSld>
+  <p:clrMapOvr>
+    <a:masterClrMapping/>
+  </p:clrMapOvr>
+</p:sld>
+</file>
+
+<file path=ppt/slides/slide11.xml><?xml version="1.0" encoding="utf-8"?>
+<p:sld xmlns:a="http://schemas.openxmlformats.org/drawingml/2006/main" xmlns:r="http://schemas.openxmlformats.org/officeDocument/2006/relationships" xmlns:p="http://schemas.openxmlformats.org/presentationml/2006/main">
+  <p:cSld>
+    <p:spTree>
+      <p:nvGrpSpPr>
+        <p:cNvPr id="1" name=""/>
+        <p:cNvGrpSpPr/>
+        <p:nvPr/>
+      </p:nvGrpSpPr>
+      <p:grpSpPr>
+        <a:xfrm>
+          <a:off x="0" y="0"/>
+          <a:ext cx="0" cy="0"/>
+          <a:chOff x="0" y="0"/>
+          <a:chExt cx="0" cy="0"/>
+        </a:xfrm>
+      </p:grpSpPr>
+      <p:sp>
+        <p:nvSpPr>
+          <p:cNvPr id="2" name="文本框 1">
+            <a:extLst>
+              <a:ext uri="{FF2B5EF4-FFF2-40B4-BE49-F238E27FC236}">
+                <a16:creationId xmlns:a16="http://schemas.microsoft.com/office/drawing/2014/main" id="{CF7AEFD0-CB04-A864-6E48-506BBEB5C4FD}"/>
+              </a:ext>
+            </a:extLst>
+          </p:cNvPr>
+          <p:cNvSpPr txBox="1"/>
+          <p:nvPr/>
+        </p:nvSpPr>
+        <p:spPr>
+          <a:xfrm>
+            <a:off x="690664" y="450263"/>
+            <a:ext cx="5612859" cy="830997"/>
+          </a:xfrm>
+          <a:prstGeom prst="rect">
+            <a:avLst/>
+          </a:prstGeom>
+          <a:noFill/>
+        </p:spPr>
+        <p:txBody>
+          <a:bodyPr wrap="square" rtlCol="0">
+            <a:spAutoFit/>
+          </a:bodyPr>
+          <a:lstStyle/>
+          <a:p>
+            <a:r>
+              <a:rPr lang="zh-CN" altLang="en-US" sz="4800" dirty="0">
+                <a:solidFill>
+                  <a:srgbClr val="C00000"/>
+                </a:solidFill>
+                <a:latin typeface="方正粗黑宋简体" panose="02000000000000000000" pitchFamily="2" charset="-122"/>
+                <a:ea typeface="方正粗黑宋简体" panose="02000000000000000000" pitchFamily="2" charset="-122"/>
+              </a:rPr>
+              <a:t>进度安排</a:t>
+            </a:r>
+            <a:endParaRPr lang="en-US" altLang="zh-CN" sz="4800" dirty="0">
+              <a:solidFill>
+                <a:srgbClr val="C00000"/>
+              </a:solidFill>
+              <a:latin typeface="方正粗黑宋简体" panose="02000000000000000000" pitchFamily="2" charset="-122"/>
+              <a:ea typeface="方正粗黑宋简体" panose="02000000000000000000" pitchFamily="2" charset="-122"/>
+            </a:endParaRPr>
+          </a:p>
+        </p:txBody>
+      </p:sp>
+      <p:graphicFrame>
+        <p:nvGraphicFramePr>
+          <p:cNvPr id="3" name="图示 2">
+            <a:extLst>
+              <a:ext uri="{FF2B5EF4-FFF2-40B4-BE49-F238E27FC236}">
+                <a16:creationId xmlns:a16="http://schemas.microsoft.com/office/drawing/2014/main" id="{90F9796A-8A99-DB06-2027-EBBFF7F6D560}"/>
+              </a:ext>
+            </a:extLst>
+          </p:cNvPr>
+          <p:cNvGraphicFramePr/>
+          <p:nvPr>
+            <p:extLst>
+              <p:ext uri="{D42A27DB-BD31-4B8C-83A1-F6EECF244321}">
+                <p14:modId xmlns:p14="http://schemas.microsoft.com/office/powerpoint/2010/main" val="3809149078"/>
+              </p:ext>
+            </p:extLst>
+          </p:nvPr>
+        </p:nvGraphicFramePr>
+        <p:xfrm>
+          <a:off x="431861" y="787940"/>
+          <a:ext cx="11212148" cy="5836595"/>
+        </p:xfrm>
+        <a:graphic>
+          <a:graphicData uri="http://schemas.openxmlformats.org/drawingml/2006/diagram">
+            <dgm:relIds xmlns:dgm="http://schemas.openxmlformats.org/drawingml/2006/diagram" xmlns:r="http://schemas.openxmlformats.org/officeDocument/2006/relationships" r:dm="rId2" r:lo="rId3" r:qs="rId4" r:cs="rId5"/>
+          </a:graphicData>
+        </a:graphic>
+      </p:graphicFrame>
+    </p:spTree>
+    <p:extLst>
+      <p:ext uri="{BB962C8B-B14F-4D97-AF65-F5344CB8AC3E}">
+        <p14:creationId xmlns:p14="http://schemas.microsoft.com/office/powerpoint/2010/main" val="3629650318"/>
+      </p:ext>
+    </p:extLst>
+  </p:cSld>
+  <p:clrMapOvr>
+    <a:masterClrMapping/>
+  </p:clrMapOvr>
+</p:sld>
+</file>
+
+<file path=ppt/slides/slide12.xml><?xml version="1.0" encoding="utf-8"?>
+<p:sld xmlns:a="http://schemas.openxmlformats.org/drawingml/2006/main" xmlns:r="http://schemas.openxmlformats.org/officeDocument/2006/relationships" xmlns:p="http://schemas.openxmlformats.org/presentationml/2006/main">
+  <p:cSld>
+    <p:spTree>
+      <p:nvGrpSpPr>
+        <p:cNvPr id="1" name=""/>
+        <p:cNvGrpSpPr/>
+        <p:nvPr/>
+      </p:nvGrpSpPr>
+      <p:grpSpPr>
+        <a:xfrm>
+          <a:off x="0" y="0"/>
+          <a:ext cx="0" cy="0"/>
+          <a:chOff x="0" y="0"/>
+          <a:chExt cx="0" cy="0"/>
+        </a:xfrm>
+      </p:grpSpPr>
+      <p:sp>
+        <p:nvSpPr>
+          <p:cNvPr id="2" name="文本框 1">
+            <a:extLst>
+              <a:ext uri="{FF2B5EF4-FFF2-40B4-BE49-F238E27FC236}">
+                <a16:creationId xmlns:a16="http://schemas.microsoft.com/office/drawing/2014/main" id="{CF7AEFD0-CB04-A864-6E48-506BBEB5C4FD}"/>
+              </a:ext>
+            </a:extLst>
+          </p:cNvPr>
+          <p:cNvSpPr txBox="1"/>
+          <p:nvPr/>
+        </p:nvSpPr>
+        <p:spPr>
+          <a:xfrm>
+            <a:off x="3716668" y="2767280"/>
+            <a:ext cx="5612859" cy="1323439"/>
+          </a:xfrm>
+          <a:prstGeom prst="rect">
+            <a:avLst/>
+          </a:prstGeom>
+          <a:noFill/>
+        </p:spPr>
+        <p:txBody>
+          <a:bodyPr wrap="square" rtlCol="0">
+            <a:spAutoFit/>
+          </a:bodyPr>
+          <a:lstStyle/>
+          <a:p>
+            <a:pPr algn="ctr"/>
+            <a:r>
+              <a:rPr lang="zh-CN" altLang="en-US" sz="8000" dirty="0">
+                <a:solidFill>
+                  <a:srgbClr val="C00000"/>
+                </a:solidFill>
+                <a:latin typeface="方正粗黑宋简体" panose="02000000000000000000" pitchFamily="2" charset="-122"/>
+                <a:ea typeface="方正粗黑宋简体" panose="02000000000000000000" pitchFamily="2" charset="-122"/>
+              </a:rPr>
+              <a:t>蟹蟹大家！</a:t>
+            </a:r>
+            <a:endParaRPr lang="en-US" altLang="zh-CN" sz="8000" dirty="0">
+              <a:solidFill>
+                <a:srgbClr val="C00000"/>
+              </a:solidFill>
+              <a:latin typeface="方正粗黑宋简体" panose="02000000000000000000" pitchFamily="2" charset="-122"/>
+              <a:ea typeface="方正粗黑宋简体" panose="02000000000000000000" pitchFamily="2" charset="-122"/>
+            </a:endParaRPr>
+          </a:p>
+        </p:txBody>
+      </p:sp>
+    </p:spTree>
+    <p:extLst>
+      <p:ext uri="{BB962C8B-B14F-4D97-AF65-F5344CB8AC3E}">
+        <p14:creationId xmlns:p14="http://schemas.microsoft.com/office/powerpoint/2010/main" val="3690818757"/>
+      </p:ext>
+    </p:extLst>
+  </p:cSld>
+  <p:clrMapOvr>
+    <a:masterClrMapping/>
+  </p:clrMapOvr>
+</p:sld>
+</file>
+
 <file path=ppt/slides/slide2.xml><?xml version="1.0" encoding="utf-8"?>
 <p:sld xmlns:a="http://schemas.openxmlformats.org/drawingml/2006/main" xmlns:r="http://schemas.openxmlformats.org/officeDocument/2006/relationships" xmlns:p="http://schemas.openxmlformats.org/presentationml/2006/main">
   <p:cSld>
@@ -13515,7 +14592,7 @@
             <a:r>
               <a:rPr lang="zh-CN" altLang="en-US" sz="4800" dirty="0">
                 <a:solidFill>
-                  <a:srgbClr val="C00000"/>
+                  <a:schemeClr val="accent1"/>
                 </a:solidFill>
                 <a:latin typeface="方正粗黑宋简体" panose="02000000000000000000" pitchFamily="2" charset="-122"/>
                 <a:ea typeface="方正粗黑宋简体" panose="02000000000000000000" pitchFamily="2" charset="-122"/>
@@ -13961,7 +15038,7 @@
             <a:r>
               <a:rPr lang="zh-CN" altLang="en-US" sz="4800" dirty="0">
                 <a:solidFill>
-                  <a:srgbClr val="C00000"/>
+                  <a:schemeClr val="accent1"/>
                 </a:solidFill>
                 <a:latin typeface="方正粗黑宋简体" panose="02000000000000000000" pitchFamily="2" charset="-122"/>
                 <a:ea typeface="方正粗黑宋简体" panose="02000000000000000000" pitchFamily="2" charset="-122"/>
@@ -13985,6 +15062,1267 @@
 </file>
 
 <file path=ppt/slides/slide6.xml><?xml version="1.0" encoding="utf-8"?>
+<p:sld xmlns:a="http://schemas.openxmlformats.org/drawingml/2006/main" xmlns:r="http://schemas.openxmlformats.org/officeDocument/2006/relationships" xmlns:p="http://schemas.openxmlformats.org/presentationml/2006/main">
+  <p:cSld>
+    <p:spTree>
+      <p:nvGrpSpPr>
+        <p:cNvPr id="1" name=""/>
+        <p:cNvGrpSpPr/>
+        <p:nvPr/>
+      </p:nvGrpSpPr>
+      <p:grpSpPr>
+        <a:xfrm>
+          <a:off x="0" y="0"/>
+          <a:ext cx="0" cy="0"/>
+          <a:chOff x="0" y="0"/>
+          <a:chExt cx="0" cy="0"/>
+        </a:xfrm>
+      </p:grpSpPr>
+      <p:sp>
+        <p:nvSpPr>
+          <p:cNvPr id="4" name="TextBox 3">
+            <a:extLst>
+              <a:ext uri="{FF2B5EF4-FFF2-40B4-BE49-F238E27FC236}">
+                <a16:creationId xmlns:a16="http://schemas.microsoft.com/office/drawing/2014/main" id="{37A34DAC-30DD-CF92-55A3-92F13F0519AB}"/>
+              </a:ext>
+            </a:extLst>
+          </p:cNvPr>
+          <p:cNvSpPr txBox="1"/>
+          <p:nvPr/>
+        </p:nvSpPr>
+        <p:spPr>
+          <a:xfrm>
+            <a:off x="1165688" y="1900839"/>
+            <a:ext cx="9860624" cy="4474558"/>
+          </a:xfrm>
+          <a:prstGeom prst="rect">
+            <a:avLst/>
+          </a:prstGeom>
+          <a:noFill/>
+        </p:spPr>
+        <p:txBody>
+          <a:bodyPr wrap="square">
+            <a:spAutoFit/>
+          </a:bodyPr>
+          <a:lstStyle/>
+          <a:p>
+            <a:pPr marL="342900" lvl="0" indent="-342900" algn="l">
+              <a:lnSpc>
+                <a:spcPct val="150000"/>
+              </a:lnSpc>
+              <a:buFont typeface="+mj-lt"/>
+              <a:buAutoNum type="arabicPeriod"/>
+            </a:pPr>
+            <a:r>
+              <a:rPr lang="zh-CN" altLang="en-US" sz="2400" kern="100" dirty="0">
+                <a:effectLst/>
+                <a:latin typeface="方正粗黑宋简体" panose="02000000000000000000" pitchFamily="2" charset="-122"/>
+                <a:ea typeface="方正粗黑宋简体" panose="02000000000000000000" pitchFamily="2" charset="-122"/>
+                <a:cs typeface="Times New Roman" panose="02020603050405020304" pitchFamily="18" charset="0"/>
+              </a:rPr>
+              <a:t>电路拓扑：</a:t>
+            </a:r>
+            <a:r>
+              <a:rPr lang="zh-CN" altLang="en-CN" sz="2400" kern="100" dirty="0">
+                <a:effectLst/>
+                <a:latin typeface="方正粗黑宋简体" panose="02000000000000000000" pitchFamily="2" charset="-122"/>
+                <a:ea typeface="方正粗黑宋简体" panose="02000000000000000000" pitchFamily="2" charset="-122"/>
+                <a:cs typeface="Times New Roman" panose="02020603050405020304" pitchFamily="18" charset="0"/>
+              </a:rPr>
+              <a:t>采用</a:t>
+            </a:r>
+            <a:r>
+              <a:rPr lang="zh-CN" altLang="en-US" sz="2400" kern="100" dirty="0">
+                <a:solidFill>
+                  <a:srgbClr val="C00000"/>
+                </a:solidFill>
+                <a:effectLst/>
+                <a:latin typeface="方正粗黑宋简体" panose="02000000000000000000" pitchFamily="2" charset="-122"/>
+                <a:ea typeface="方正粗黑宋简体" panose="02000000000000000000" pitchFamily="2" charset="-122"/>
+                <a:cs typeface="Times New Roman" panose="02020603050405020304" pitchFamily="18" charset="0"/>
+              </a:rPr>
+              <a:t>双向同步</a:t>
+            </a:r>
+            <a:r>
+              <a:rPr lang="en-US" altLang="zh-CN" sz="2400" kern="100" dirty="0">
+                <a:solidFill>
+                  <a:srgbClr val="C00000"/>
+                </a:solidFill>
+                <a:latin typeface="方正粗黑宋简体" panose="02000000000000000000" pitchFamily="2" charset="-122"/>
+                <a:ea typeface="方正粗黑宋简体" panose="02000000000000000000" pitchFamily="2" charset="-122"/>
+                <a:cs typeface="Times New Roman" panose="02020603050405020304" pitchFamily="18" charset="0"/>
+              </a:rPr>
+              <a:t>B</a:t>
+            </a:r>
+            <a:r>
+              <a:rPr lang="en-US" altLang="zh-CN" sz="2400" kern="100" dirty="0">
+                <a:solidFill>
+                  <a:srgbClr val="C00000"/>
+                </a:solidFill>
+                <a:effectLst/>
+                <a:latin typeface="方正粗黑宋简体" panose="02000000000000000000" pitchFamily="2" charset="-122"/>
+                <a:ea typeface="方正粗黑宋简体" panose="02000000000000000000" pitchFamily="2" charset="-122"/>
+                <a:cs typeface="Times New Roman" panose="02020603050405020304" pitchFamily="18" charset="0"/>
+              </a:rPr>
+              <a:t>uck-Boost</a:t>
+            </a:r>
+            <a:r>
+              <a:rPr lang="zh-CN" altLang="en-US" sz="2400" kern="100" dirty="0">
+                <a:latin typeface="方正粗黑宋简体" panose="02000000000000000000" pitchFamily="2" charset="-122"/>
+                <a:ea typeface="方正粗黑宋简体" panose="02000000000000000000" pitchFamily="2" charset="-122"/>
+                <a:cs typeface="Times New Roman" panose="02020603050405020304" pitchFamily="18" charset="0"/>
+              </a:rPr>
+              <a:t>电路，实现升降压控制充放电</a:t>
+            </a:r>
+            <a:endParaRPr lang="en-US" altLang="zh-CN" sz="2400" kern="100" dirty="0">
+              <a:latin typeface="方正粗黑宋简体" panose="02000000000000000000" pitchFamily="2" charset="-122"/>
+              <a:ea typeface="方正粗黑宋简体" panose="02000000000000000000" pitchFamily="2" charset="-122"/>
+              <a:cs typeface="Times New Roman" panose="02020603050405020304" pitchFamily="18" charset="0"/>
+            </a:endParaRPr>
+          </a:p>
+          <a:p>
+            <a:pPr marL="342900" lvl="0" indent="-342900" algn="l">
+              <a:lnSpc>
+                <a:spcPct val="150000"/>
+              </a:lnSpc>
+              <a:buFont typeface="+mj-lt"/>
+              <a:buAutoNum type="arabicPeriod"/>
+            </a:pPr>
+            <a:r>
+              <a:rPr lang="zh-CN" altLang="en-US" sz="2400" kern="100" dirty="0">
+                <a:effectLst/>
+                <a:latin typeface="方正粗黑宋简体" panose="02000000000000000000" pitchFamily="2" charset="-122"/>
+                <a:ea typeface="方正粗黑宋简体" panose="02000000000000000000" pitchFamily="2" charset="-122"/>
+                <a:cs typeface="Times New Roman" panose="02020603050405020304" pitchFamily="18" charset="0"/>
+              </a:rPr>
+              <a:t>逻辑控制：主控采用</a:t>
+            </a:r>
+            <a:r>
+              <a:rPr lang="en-US" altLang="zh-CN" sz="2400" kern="100" dirty="0">
+                <a:solidFill>
+                  <a:srgbClr val="C00000"/>
+                </a:solidFill>
+                <a:effectLst/>
+                <a:latin typeface="方正粗黑宋简体" panose="02000000000000000000" pitchFamily="2" charset="-122"/>
+                <a:ea typeface="方正粗黑宋简体" panose="02000000000000000000" pitchFamily="2" charset="-122"/>
+                <a:cs typeface="Times New Roman" panose="02020603050405020304" pitchFamily="18" charset="0"/>
+              </a:rPr>
+              <a:t>STM32F334C8T6</a:t>
+            </a:r>
+            <a:r>
+              <a:rPr lang="zh-CN" altLang="en-US" sz="2400" kern="100" dirty="0">
+                <a:effectLst/>
+                <a:latin typeface="方正粗黑宋简体" panose="02000000000000000000" pitchFamily="2" charset="-122"/>
+                <a:ea typeface="方正粗黑宋简体" panose="02000000000000000000" pitchFamily="2" charset="-122"/>
+                <a:cs typeface="Times New Roman" panose="02020603050405020304" pitchFamily="18" charset="0"/>
+              </a:rPr>
+              <a:t>（带有</a:t>
+            </a:r>
+            <a:r>
+              <a:rPr lang="en-US" altLang="zh-CN" sz="2400" kern="100" dirty="0">
+                <a:effectLst/>
+                <a:latin typeface="方正粗黑宋简体" panose="02000000000000000000" pitchFamily="2" charset="-122"/>
+                <a:ea typeface="方正粗黑宋简体" panose="02000000000000000000" pitchFamily="2" charset="-122"/>
+                <a:cs typeface="Times New Roman" panose="02020603050405020304" pitchFamily="18" charset="0"/>
+              </a:rPr>
+              <a:t>HRTIM</a:t>
+            </a:r>
+            <a:r>
+              <a:rPr lang="zh-CN" altLang="en-US" sz="2400" kern="100" dirty="0">
+                <a:effectLst/>
+                <a:latin typeface="方正粗黑宋简体" panose="02000000000000000000" pitchFamily="2" charset="-122"/>
+                <a:ea typeface="方正粗黑宋简体" panose="02000000000000000000" pitchFamily="2" charset="-122"/>
+                <a:cs typeface="Times New Roman" panose="02020603050405020304" pitchFamily="18" charset="0"/>
+              </a:rPr>
+              <a:t>外设，</a:t>
+            </a:r>
+            <a:r>
+              <a:rPr lang="en-US" altLang="zh-CN" sz="2400" kern="100" dirty="0">
+                <a:effectLst/>
+                <a:latin typeface="方正粗黑宋简体" panose="02000000000000000000" pitchFamily="2" charset="-122"/>
+                <a:ea typeface="方正粗黑宋简体" panose="02000000000000000000" pitchFamily="2" charset="-122"/>
+                <a:cs typeface="Times New Roman" panose="02020603050405020304" pitchFamily="18" charset="0"/>
+              </a:rPr>
+              <a:t>2.16GHz</a:t>
+            </a:r>
+            <a:r>
+              <a:rPr lang="zh-CN" altLang="en-US" sz="2400" kern="100" dirty="0">
+                <a:effectLst/>
+                <a:latin typeface="方正粗黑宋简体" panose="02000000000000000000" pitchFamily="2" charset="-122"/>
+                <a:ea typeface="方正粗黑宋简体" panose="02000000000000000000" pitchFamily="2" charset="-122"/>
+                <a:cs typeface="Times New Roman" panose="02020603050405020304" pitchFamily="18" charset="0"/>
+              </a:rPr>
+              <a:t>），同时担任逻辑处理和开关电源控制的工作</a:t>
+            </a:r>
+            <a:endParaRPr lang="en-US" altLang="zh-CN" sz="2400" kern="100" dirty="0">
+              <a:effectLst/>
+              <a:latin typeface="方正粗黑宋简体" panose="02000000000000000000" pitchFamily="2" charset="-122"/>
+              <a:ea typeface="方正粗黑宋简体" panose="02000000000000000000" pitchFamily="2" charset="-122"/>
+              <a:cs typeface="Times New Roman" panose="02020603050405020304" pitchFamily="18" charset="0"/>
+            </a:endParaRPr>
+          </a:p>
+          <a:p>
+            <a:pPr marL="342900" lvl="0" indent="-342900" algn="l">
+              <a:lnSpc>
+                <a:spcPct val="150000"/>
+              </a:lnSpc>
+              <a:buFont typeface="+mj-lt"/>
+              <a:buAutoNum type="arabicPeriod"/>
+            </a:pPr>
+            <a:r>
+              <a:rPr lang="zh-CN" altLang="en-US" sz="2400" kern="100" dirty="0">
+                <a:latin typeface="方正粗黑宋简体" panose="02000000000000000000" pitchFamily="2" charset="-122"/>
+                <a:ea typeface="方正粗黑宋简体" panose="02000000000000000000" pitchFamily="2" charset="-122"/>
+                <a:cs typeface="Times New Roman" panose="02020603050405020304" pitchFamily="18" charset="0"/>
+              </a:rPr>
+              <a:t>电流采样：使用</a:t>
+            </a:r>
+            <a:r>
+              <a:rPr lang="en-US" altLang="zh-CN" sz="2400" kern="100" dirty="0">
+                <a:latin typeface="方正粗黑宋简体" panose="02000000000000000000" pitchFamily="2" charset="-122"/>
+                <a:ea typeface="方正粗黑宋简体" panose="02000000000000000000" pitchFamily="2" charset="-122"/>
+                <a:cs typeface="Times New Roman" panose="02020603050405020304" pitchFamily="18" charset="0"/>
+              </a:rPr>
+              <a:t>TI</a:t>
+            </a:r>
+            <a:r>
+              <a:rPr lang="zh-CN" altLang="en-US" sz="2400" kern="100" dirty="0">
+                <a:latin typeface="方正粗黑宋简体" panose="02000000000000000000" pitchFamily="2" charset="-122"/>
+                <a:ea typeface="方正粗黑宋简体" panose="02000000000000000000" pitchFamily="2" charset="-122"/>
+                <a:cs typeface="Times New Roman" panose="02020603050405020304" pitchFamily="18" charset="0"/>
+              </a:rPr>
+              <a:t>的</a:t>
+            </a:r>
+            <a:r>
+              <a:rPr lang="en-US" altLang="zh-CN" sz="2400" kern="100" dirty="0">
+                <a:solidFill>
+                  <a:srgbClr val="C00000"/>
+                </a:solidFill>
+                <a:latin typeface="方正粗黑宋简体" panose="02000000000000000000" pitchFamily="2" charset="-122"/>
+                <a:ea typeface="方正粗黑宋简体" panose="02000000000000000000" pitchFamily="2" charset="-122"/>
+                <a:cs typeface="Times New Roman" panose="02020603050405020304" pitchFamily="18" charset="0"/>
+              </a:rPr>
+              <a:t>INA240A1PWR</a:t>
+            </a:r>
+            <a:r>
+              <a:rPr lang="zh-CN" altLang="en-US" sz="2400" kern="100" dirty="0">
+                <a:latin typeface="方正粗黑宋简体" panose="02000000000000000000" pitchFamily="2" charset="-122"/>
+                <a:ea typeface="方正粗黑宋简体" panose="02000000000000000000" pitchFamily="2" charset="-122"/>
+                <a:cs typeface="Times New Roman" panose="02020603050405020304" pitchFamily="18" charset="0"/>
+              </a:rPr>
+              <a:t>（或者更先进的型号），实现精确控制电流</a:t>
+            </a:r>
+            <a:endParaRPr lang="en-US" altLang="zh-CN" sz="2400" kern="100" dirty="0">
+              <a:latin typeface="方正粗黑宋简体" panose="02000000000000000000" pitchFamily="2" charset="-122"/>
+              <a:ea typeface="方正粗黑宋简体" panose="02000000000000000000" pitchFamily="2" charset="-122"/>
+              <a:cs typeface="Times New Roman" panose="02020603050405020304" pitchFamily="18" charset="0"/>
+            </a:endParaRPr>
+          </a:p>
+          <a:p>
+            <a:pPr marL="342900" lvl="0" indent="-342900" algn="l">
+              <a:lnSpc>
+                <a:spcPct val="150000"/>
+              </a:lnSpc>
+              <a:buFont typeface="+mj-lt"/>
+              <a:buAutoNum type="arabicPeriod"/>
+            </a:pPr>
+            <a:r>
+              <a:rPr lang="zh-CN" altLang="en-US" sz="2400" kern="100" dirty="0">
+                <a:latin typeface="方正粗黑宋简体" panose="02000000000000000000" pitchFamily="2" charset="-122"/>
+                <a:ea typeface="方正粗黑宋简体" panose="02000000000000000000" pitchFamily="2" charset="-122"/>
+                <a:cs typeface="Times New Roman" panose="02020603050405020304" pitchFamily="18" charset="0"/>
+              </a:rPr>
+              <a:t>电压采样：将</a:t>
+            </a:r>
+            <a:r>
+              <a:rPr lang="en-US" altLang="zh-CN" sz="2400" kern="100" dirty="0">
+                <a:latin typeface="方正粗黑宋简体" panose="02000000000000000000" pitchFamily="2" charset="-122"/>
+                <a:ea typeface="方正粗黑宋简体" panose="02000000000000000000" pitchFamily="2" charset="-122"/>
+                <a:cs typeface="Times New Roman" panose="02020603050405020304" pitchFamily="18" charset="0"/>
+              </a:rPr>
+              <a:t>MCU</a:t>
+            </a:r>
+            <a:r>
+              <a:rPr lang="zh-CN" altLang="en-US" sz="2400" kern="100" dirty="0">
+                <a:latin typeface="方正粗黑宋简体" panose="02000000000000000000" pitchFamily="2" charset="-122"/>
+                <a:ea typeface="方正粗黑宋简体" panose="02000000000000000000" pitchFamily="2" charset="-122"/>
+                <a:cs typeface="Times New Roman" panose="02020603050405020304" pitchFamily="18" charset="0"/>
+              </a:rPr>
+              <a:t>的引脚配置为模拟输入，通过</a:t>
+            </a:r>
+            <a:r>
+              <a:rPr lang="zh-CN" altLang="en-US" sz="2400" kern="100" dirty="0">
+                <a:solidFill>
+                  <a:srgbClr val="C00000"/>
+                </a:solidFill>
+                <a:latin typeface="方正粗黑宋简体" panose="02000000000000000000" pitchFamily="2" charset="-122"/>
+                <a:ea typeface="方正粗黑宋简体" panose="02000000000000000000" pitchFamily="2" charset="-122"/>
+                <a:cs typeface="Times New Roman" panose="02020603050405020304" pitchFamily="18" charset="0"/>
+              </a:rPr>
+              <a:t>分压</a:t>
+            </a:r>
+            <a:r>
+              <a:rPr lang="en-US" altLang="zh-CN" sz="2400" kern="100" dirty="0">
+                <a:solidFill>
+                  <a:srgbClr val="C00000"/>
+                </a:solidFill>
+                <a:latin typeface="方正粗黑宋简体" panose="02000000000000000000" pitchFamily="2" charset="-122"/>
+                <a:ea typeface="方正粗黑宋简体" panose="02000000000000000000" pitchFamily="2" charset="-122"/>
+                <a:cs typeface="Times New Roman" panose="02020603050405020304" pitchFamily="18" charset="0"/>
+              </a:rPr>
+              <a:t>+ADC</a:t>
+            </a:r>
+            <a:r>
+              <a:rPr lang="zh-CN" altLang="en-US" sz="2400" kern="100" dirty="0">
+                <a:latin typeface="方正粗黑宋简体" panose="02000000000000000000" pitchFamily="2" charset="-122"/>
+                <a:ea typeface="方正粗黑宋简体" panose="02000000000000000000" pitchFamily="2" charset="-122"/>
+                <a:cs typeface="Times New Roman" panose="02020603050405020304" pitchFamily="18" charset="0"/>
+              </a:rPr>
+              <a:t>实现</a:t>
+            </a:r>
+            <a:endParaRPr lang="en-US" altLang="zh-CN" sz="2400" kern="100" dirty="0">
+              <a:latin typeface="方正粗黑宋简体" panose="02000000000000000000" pitchFamily="2" charset="-122"/>
+              <a:ea typeface="方正粗黑宋简体" panose="02000000000000000000" pitchFamily="2" charset="-122"/>
+              <a:cs typeface="Times New Roman" panose="02020603050405020304" pitchFamily="18" charset="0"/>
+            </a:endParaRPr>
+          </a:p>
+          <a:p>
+            <a:pPr marL="342900" lvl="0" indent="-342900" algn="l">
+              <a:lnSpc>
+                <a:spcPct val="150000"/>
+              </a:lnSpc>
+              <a:buFont typeface="+mj-lt"/>
+              <a:buAutoNum type="arabicPeriod"/>
+            </a:pPr>
+            <a:r>
+              <a:rPr lang="zh-CN" altLang="en-US" sz="2400" kern="100" dirty="0">
+                <a:latin typeface="方正粗黑宋简体" panose="02000000000000000000" pitchFamily="2" charset="-122"/>
+                <a:ea typeface="方正粗黑宋简体" panose="02000000000000000000" pitchFamily="2" charset="-122"/>
+                <a:cs typeface="Times New Roman" panose="02020603050405020304" pitchFamily="18" charset="0"/>
+              </a:rPr>
+              <a:t>电容均压：使用</a:t>
+            </a:r>
+            <a:r>
+              <a:rPr lang="en-US" altLang="zh-CN" sz="2400" kern="100" dirty="0">
+                <a:solidFill>
+                  <a:srgbClr val="C00000"/>
+                </a:solidFill>
+                <a:latin typeface="方正粗黑宋简体" panose="02000000000000000000" pitchFamily="2" charset="-122"/>
+                <a:ea typeface="方正粗黑宋简体" panose="02000000000000000000" pitchFamily="2" charset="-122"/>
+                <a:cs typeface="Times New Roman" panose="02020603050405020304" pitchFamily="18" charset="0"/>
+              </a:rPr>
+              <a:t>BW6101</a:t>
+            </a:r>
+            <a:r>
+              <a:rPr lang="zh-CN" altLang="en-US" sz="2400" kern="100" dirty="0">
+                <a:latin typeface="方正粗黑宋简体" panose="02000000000000000000" pitchFamily="2" charset="-122"/>
+                <a:ea typeface="方正粗黑宋简体" panose="02000000000000000000" pitchFamily="2" charset="-122"/>
+                <a:cs typeface="Times New Roman" panose="02020603050405020304" pitchFamily="18" charset="0"/>
+              </a:rPr>
+              <a:t>电容管理芯片实现均压</a:t>
+            </a:r>
+            <a:endParaRPr lang="en-US" altLang="zh-CN" sz="2400" kern="100" dirty="0">
+              <a:latin typeface="方正粗黑宋简体" panose="02000000000000000000" pitchFamily="2" charset="-122"/>
+              <a:ea typeface="方正粗黑宋简体" panose="02000000000000000000" pitchFamily="2" charset="-122"/>
+              <a:cs typeface="Times New Roman" panose="02020603050405020304" pitchFamily="18" charset="0"/>
+            </a:endParaRPr>
+          </a:p>
+          <a:p>
+            <a:pPr marL="342900" lvl="0" indent="-342900" algn="l">
+              <a:lnSpc>
+                <a:spcPct val="150000"/>
+              </a:lnSpc>
+              <a:buFont typeface="+mj-lt"/>
+              <a:buAutoNum type="arabicPeriod"/>
+            </a:pPr>
+            <a:r>
+              <a:rPr lang="zh-CN" altLang="en-US" sz="2400" kern="100" dirty="0">
+                <a:effectLst/>
+                <a:latin typeface="方正粗黑宋简体" panose="02000000000000000000" pitchFamily="2" charset="-122"/>
+                <a:ea typeface="方正粗黑宋简体" panose="02000000000000000000" pitchFamily="2" charset="-122"/>
+                <a:cs typeface="Times New Roman" panose="02020603050405020304" pitchFamily="18" charset="0"/>
+              </a:rPr>
+              <a:t>方案验证：使用</a:t>
+            </a:r>
+            <a:r>
+              <a:rPr lang="en-US" altLang="zh-CN" sz="2400" kern="100" dirty="0">
+                <a:solidFill>
+                  <a:srgbClr val="C00000"/>
+                </a:solidFill>
+                <a:effectLst/>
+                <a:latin typeface="方正粗黑宋简体" panose="02000000000000000000" pitchFamily="2" charset="-122"/>
+                <a:ea typeface="方正粗黑宋简体" panose="02000000000000000000" pitchFamily="2" charset="-122"/>
+                <a:cs typeface="Times New Roman" panose="02020603050405020304" pitchFamily="18" charset="0"/>
+              </a:rPr>
+              <a:t>Simulink</a:t>
+            </a:r>
+            <a:r>
+              <a:rPr lang="zh-CN" altLang="en-US" sz="2400" kern="100" dirty="0">
+                <a:solidFill>
+                  <a:srgbClr val="C00000"/>
+                </a:solidFill>
+                <a:effectLst/>
+                <a:latin typeface="方正粗黑宋简体" panose="02000000000000000000" pitchFamily="2" charset="-122"/>
+                <a:ea typeface="方正粗黑宋简体" panose="02000000000000000000" pitchFamily="2" charset="-122"/>
+                <a:cs typeface="Times New Roman" panose="02020603050405020304" pitchFamily="18" charset="0"/>
+              </a:rPr>
+              <a:t>仿真</a:t>
+            </a:r>
+            <a:r>
+              <a:rPr lang="zh-CN" altLang="en-US" sz="2400" kern="100" dirty="0">
+                <a:effectLst/>
+                <a:latin typeface="方正粗黑宋简体" panose="02000000000000000000" pitchFamily="2" charset="-122"/>
+                <a:ea typeface="方正粗黑宋简体" panose="02000000000000000000" pitchFamily="2" charset="-122"/>
+                <a:cs typeface="Times New Roman" panose="02020603050405020304" pitchFamily="18" charset="0"/>
+              </a:rPr>
+              <a:t>，保证方案可行性</a:t>
+            </a:r>
+            <a:endParaRPr lang="en-US" altLang="zh-CN" sz="2400" kern="100" dirty="0">
+              <a:effectLst/>
+              <a:latin typeface="方正粗黑宋简体" panose="02000000000000000000" pitchFamily="2" charset="-122"/>
+              <a:ea typeface="方正粗黑宋简体" panose="02000000000000000000" pitchFamily="2" charset="-122"/>
+              <a:cs typeface="Times New Roman" panose="02020603050405020304" pitchFamily="18" charset="0"/>
+            </a:endParaRPr>
+          </a:p>
+        </p:txBody>
+      </p:sp>
+      <p:sp>
+        <p:nvSpPr>
+          <p:cNvPr id="2" name="文本框 1">
+            <a:extLst>
+              <a:ext uri="{FF2B5EF4-FFF2-40B4-BE49-F238E27FC236}">
+                <a16:creationId xmlns:a16="http://schemas.microsoft.com/office/drawing/2014/main" id="{F46055A3-4F09-8236-1D5A-EF886E9CF9B4}"/>
+              </a:ext>
+            </a:extLst>
+          </p:cNvPr>
+          <p:cNvSpPr txBox="1"/>
+          <p:nvPr/>
+        </p:nvSpPr>
+        <p:spPr>
+          <a:xfrm>
+            <a:off x="690664" y="450263"/>
+            <a:ext cx="5612859" cy="830997"/>
+          </a:xfrm>
+          <a:prstGeom prst="rect">
+            <a:avLst/>
+          </a:prstGeom>
+          <a:noFill/>
+        </p:spPr>
+        <p:txBody>
+          <a:bodyPr wrap="square" rtlCol="0">
+            <a:spAutoFit/>
+          </a:bodyPr>
+          <a:lstStyle/>
+          <a:p>
+            <a:r>
+              <a:rPr lang="zh-CN" altLang="en-US" sz="4800" dirty="0">
+                <a:solidFill>
+                  <a:schemeClr val="accent1"/>
+                </a:solidFill>
+                <a:latin typeface="方正粗黑宋简体" panose="02000000000000000000" pitchFamily="2" charset="-122"/>
+                <a:ea typeface="方正粗黑宋简体" panose="02000000000000000000" pitchFamily="2" charset="-122"/>
+              </a:rPr>
+              <a:t>初步设计</a:t>
+            </a:r>
+            <a:r>
+              <a:rPr lang="en-US" altLang="zh-CN" sz="4800" dirty="0">
+                <a:solidFill>
+                  <a:schemeClr val="accent1"/>
+                </a:solidFill>
+                <a:latin typeface="方正粗黑宋简体" panose="02000000000000000000" pitchFamily="2" charset="-122"/>
+                <a:ea typeface="方正粗黑宋简体" panose="02000000000000000000" pitchFamily="2" charset="-122"/>
+              </a:rPr>
+              <a:t>-</a:t>
+            </a:r>
+            <a:r>
+              <a:rPr lang="zh-CN" altLang="en-US" sz="4800" dirty="0">
+                <a:solidFill>
+                  <a:schemeClr val="accent1"/>
+                </a:solidFill>
+                <a:latin typeface="方正粗黑宋简体" panose="02000000000000000000" pitchFamily="2" charset="-122"/>
+                <a:ea typeface="方正粗黑宋简体" panose="02000000000000000000" pitchFamily="2" charset="-122"/>
+              </a:rPr>
+              <a:t>电子硬件</a:t>
+            </a:r>
+          </a:p>
+        </p:txBody>
+      </p:sp>
+    </p:spTree>
+    <p:extLst>
+      <p:ext uri="{BB962C8B-B14F-4D97-AF65-F5344CB8AC3E}">
+        <p14:creationId xmlns:p14="http://schemas.microsoft.com/office/powerpoint/2010/main" val="413009368"/>
+      </p:ext>
+    </p:extLst>
+  </p:cSld>
+  <p:clrMapOvr>
+    <a:masterClrMapping/>
+  </p:clrMapOvr>
+</p:sld>
+</file>
+
+<file path=ppt/slides/slide7.xml><?xml version="1.0" encoding="utf-8"?>
+<p:sld xmlns:a="http://schemas.openxmlformats.org/drawingml/2006/main" xmlns:r="http://schemas.openxmlformats.org/officeDocument/2006/relationships" xmlns:p="http://schemas.openxmlformats.org/presentationml/2006/main">
+  <p:cSld>
+    <p:spTree>
+      <p:nvGrpSpPr>
+        <p:cNvPr id="1" name=""/>
+        <p:cNvGrpSpPr/>
+        <p:nvPr/>
+      </p:nvGrpSpPr>
+      <p:grpSpPr>
+        <a:xfrm>
+          <a:off x="0" y="0"/>
+          <a:ext cx="0" cy="0"/>
+          <a:chOff x="0" y="0"/>
+          <a:chExt cx="0" cy="0"/>
+        </a:xfrm>
+      </p:grpSpPr>
+      <p:sp>
+        <p:nvSpPr>
+          <p:cNvPr id="4" name="TextBox 3">
+            <a:extLst>
+              <a:ext uri="{FF2B5EF4-FFF2-40B4-BE49-F238E27FC236}">
+                <a16:creationId xmlns:a16="http://schemas.microsoft.com/office/drawing/2014/main" id="{37A34DAC-30DD-CF92-55A3-92F13F0519AB}"/>
+              </a:ext>
+            </a:extLst>
+          </p:cNvPr>
+          <p:cNvSpPr txBox="1"/>
+          <p:nvPr/>
+        </p:nvSpPr>
+        <p:spPr>
+          <a:xfrm>
+            <a:off x="1160623" y="2022717"/>
+            <a:ext cx="9463385" cy="2812565"/>
+          </a:xfrm>
+          <a:prstGeom prst="rect">
+            <a:avLst/>
+          </a:prstGeom>
+          <a:noFill/>
+        </p:spPr>
+        <p:txBody>
+          <a:bodyPr wrap="square">
+            <a:spAutoFit/>
+          </a:bodyPr>
+          <a:lstStyle/>
+          <a:p>
+            <a:pPr marL="342900" lvl="0" indent="-342900" algn="l">
+              <a:lnSpc>
+                <a:spcPct val="150000"/>
+              </a:lnSpc>
+              <a:buFont typeface="+mj-lt"/>
+              <a:buAutoNum type="arabicPeriod"/>
+            </a:pPr>
+            <a:r>
+              <a:rPr lang="zh-CN" altLang="en-CN" sz="2400" kern="100" dirty="0">
+                <a:latin typeface="方正粗黑宋简体" panose="02000000000000000000" pitchFamily="2" charset="-122"/>
+                <a:ea typeface="方正粗黑宋简体" panose="02000000000000000000" pitchFamily="2" charset="-122"/>
+                <a:cs typeface="Times New Roman" panose="02020603050405020304" pitchFamily="18" charset="0"/>
+              </a:rPr>
+              <a:t>底层</a:t>
+            </a:r>
+            <a:r>
+              <a:rPr lang="zh-CN" altLang="en-US" sz="2400" kern="100" dirty="0">
+                <a:latin typeface="方正粗黑宋简体" panose="02000000000000000000" pitchFamily="2" charset="-122"/>
+                <a:ea typeface="方正粗黑宋简体" panose="02000000000000000000" pitchFamily="2" charset="-122"/>
+                <a:cs typeface="Times New Roman" panose="02020603050405020304" pitchFamily="18" charset="0"/>
+              </a:rPr>
+              <a:t>配置（引脚配置、中断等）使用</a:t>
+            </a:r>
+            <a:r>
+              <a:rPr lang="en-US" altLang="zh-CN" sz="2400" kern="100" dirty="0">
+                <a:latin typeface="方正粗黑宋简体" panose="02000000000000000000" pitchFamily="2" charset="-122"/>
+                <a:ea typeface="方正粗黑宋简体" panose="02000000000000000000" pitchFamily="2" charset="-122"/>
+                <a:cs typeface="Times New Roman" panose="02020603050405020304" pitchFamily="18" charset="0"/>
+              </a:rPr>
+              <a:t>C</a:t>
+            </a:r>
+            <a:r>
+              <a:rPr lang="zh-CN" altLang="en-US" sz="2400" kern="100" dirty="0">
+                <a:latin typeface="方正粗黑宋简体" panose="02000000000000000000" pitchFamily="2" charset="-122"/>
+                <a:ea typeface="方正粗黑宋简体" panose="02000000000000000000" pitchFamily="2" charset="-122"/>
+                <a:cs typeface="Times New Roman" panose="02020603050405020304" pitchFamily="18" charset="0"/>
+              </a:rPr>
+              <a:t>语言，基于</a:t>
+            </a:r>
+            <a:r>
+              <a:rPr lang="zh-CN" altLang="en-US" sz="2400" kern="100" dirty="0">
+                <a:solidFill>
+                  <a:srgbClr val="C00000"/>
+                </a:solidFill>
+                <a:latin typeface="方正粗黑宋简体" panose="02000000000000000000" pitchFamily="2" charset="-122"/>
+                <a:ea typeface="方正粗黑宋简体" panose="02000000000000000000" pitchFamily="2" charset="-122"/>
+                <a:cs typeface="Times New Roman" panose="02020603050405020304" pitchFamily="18" charset="0"/>
+              </a:rPr>
+              <a:t>标准库</a:t>
+            </a:r>
+            <a:r>
+              <a:rPr lang="zh-CN" altLang="en-US" sz="2400" kern="100" dirty="0">
+                <a:latin typeface="方正粗黑宋简体" panose="02000000000000000000" pitchFamily="2" charset="-122"/>
+                <a:ea typeface="方正粗黑宋简体" panose="02000000000000000000" pitchFamily="2" charset="-122"/>
+                <a:cs typeface="Times New Roman" panose="02020603050405020304" pitchFamily="18" charset="0"/>
+              </a:rPr>
+              <a:t>进行开发</a:t>
+            </a:r>
+            <a:endParaRPr lang="en-US" altLang="zh-CN" sz="2400" kern="100" dirty="0">
+              <a:latin typeface="方正粗黑宋简体" panose="02000000000000000000" pitchFamily="2" charset="-122"/>
+              <a:ea typeface="方正粗黑宋简体" panose="02000000000000000000" pitchFamily="2" charset="-122"/>
+              <a:cs typeface="Times New Roman" panose="02020603050405020304" pitchFamily="18" charset="0"/>
+            </a:endParaRPr>
+          </a:p>
+          <a:p>
+            <a:pPr marL="342900" lvl="0" indent="-342900" algn="l">
+              <a:lnSpc>
+                <a:spcPct val="150000"/>
+              </a:lnSpc>
+              <a:buFont typeface="+mj-lt"/>
+              <a:buAutoNum type="arabicPeriod"/>
+            </a:pPr>
+            <a:r>
+              <a:rPr lang="zh-CN" altLang="en-US" sz="2400" kern="100" dirty="0">
+                <a:latin typeface="方正粗黑宋简体" panose="02000000000000000000" pitchFamily="2" charset="-122"/>
+                <a:ea typeface="方正粗黑宋简体" panose="02000000000000000000" pitchFamily="2" charset="-122"/>
+                <a:cs typeface="Times New Roman" panose="02020603050405020304" pitchFamily="18" charset="0"/>
+              </a:rPr>
+              <a:t>控制逻辑使用</a:t>
+            </a:r>
+            <a:r>
+              <a:rPr lang="en-US" altLang="zh-CN" sz="2400" kern="100" dirty="0">
+                <a:solidFill>
+                  <a:srgbClr val="C00000"/>
+                </a:solidFill>
+                <a:latin typeface="方正粗黑宋简体" panose="02000000000000000000" pitchFamily="2" charset="-122"/>
+                <a:ea typeface="方正粗黑宋简体" panose="02000000000000000000" pitchFamily="2" charset="-122"/>
+                <a:cs typeface="Times New Roman" panose="02020603050405020304" pitchFamily="18" charset="0"/>
+              </a:rPr>
+              <a:t>C++</a:t>
+            </a:r>
+            <a:r>
+              <a:rPr lang="zh-CN" altLang="en-US" sz="2400" kern="100" dirty="0">
+                <a:latin typeface="方正粗黑宋简体" panose="02000000000000000000" pitchFamily="2" charset="-122"/>
+                <a:ea typeface="方正粗黑宋简体" panose="02000000000000000000" pitchFamily="2" charset="-122"/>
+                <a:cs typeface="Times New Roman" panose="02020603050405020304" pitchFamily="18" charset="0"/>
+              </a:rPr>
+              <a:t>（</a:t>
+            </a:r>
+            <a:r>
+              <a:rPr lang="en-US" altLang="zh-CN" sz="2400" kern="100" dirty="0">
+                <a:latin typeface="方正粗黑宋简体" panose="02000000000000000000" pitchFamily="2" charset="-122"/>
+                <a:ea typeface="方正粗黑宋简体" panose="02000000000000000000" pitchFamily="2" charset="-122"/>
+                <a:cs typeface="Times New Roman" panose="02020603050405020304" pitchFamily="18" charset="0"/>
+              </a:rPr>
+              <a:t>C++11</a:t>
+            </a:r>
+            <a:r>
+              <a:rPr lang="zh-CN" altLang="en-US" sz="2400" kern="100" dirty="0">
+                <a:latin typeface="方正粗黑宋简体" panose="02000000000000000000" pitchFamily="2" charset="-122"/>
+                <a:ea typeface="方正粗黑宋简体" panose="02000000000000000000" pitchFamily="2" charset="-122"/>
+                <a:cs typeface="Times New Roman" panose="02020603050405020304" pitchFamily="18" charset="0"/>
+              </a:rPr>
+              <a:t>标准），实现</a:t>
+            </a:r>
+            <a:r>
+              <a:rPr lang="zh-CN" altLang="en-US" sz="2400" kern="100" dirty="0">
+                <a:solidFill>
+                  <a:srgbClr val="C00000"/>
+                </a:solidFill>
+                <a:latin typeface="方正粗黑宋简体" panose="02000000000000000000" pitchFamily="2" charset="-122"/>
+                <a:ea typeface="方正粗黑宋简体" panose="02000000000000000000" pitchFamily="2" charset="-122"/>
+                <a:cs typeface="Times New Roman" panose="02020603050405020304" pitchFamily="18" charset="0"/>
+              </a:rPr>
+              <a:t>初始化和实例逻辑更新</a:t>
+            </a:r>
+            <a:endParaRPr lang="en-US" altLang="zh-CN" sz="2400" kern="100" dirty="0">
+              <a:solidFill>
+                <a:srgbClr val="C00000"/>
+              </a:solidFill>
+              <a:latin typeface="方正粗黑宋简体" panose="02000000000000000000" pitchFamily="2" charset="-122"/>
+              <a:ea typeface="方正粗黑宋简体" panose="02000000000000000000" pitchFamily="2" charset="-122"/>
+              <a:cs typeface="Times New Roman" panose="02020603050405020304" pitchFamily="18" charset="0"/>
+            </a:endParaRPr>
+          </a:p>
+          <a:p>
+            <a:pPr marL="342900" lvl="0" indent="-342900" algn="l">
+              <a:lnSpc>
+                <a:spcPct val="150000"/>
+              </a:lnSpc>
+              <a:buFont typeface="+mj-lt"/>
+              <a:buAutoNum type="arabicPeriod"/>
+            </a:pPr>
+            <a:r>
+              <a:rPr lang="zh-CN" altLang="en-US" sz="2400" kern="100" dirty="0">
+                <a:latin typeface="方正粗黑宋简体" panose="02000000000000000000" pitchFamily="2" charset="-122"/>
+                <a:ea typeface="方正粗黑宋简体" panose="02000000000000000000" pitchFamily="2" charset="-122"/>
+                <a:cs typeface="Times New Roman" panose="02020603050405020304" pitchFamily="18" charset="0"/>
+              </a:rPr>
+              <a:t>通过高分辨率定时器（</a:t>
+            </a:r>
+            <a:r>
+              <a:rPr lang="en-US" altLang="zh-CN" sz="2400" kern="100" dirty="0">
+                <a:latin typeface="方正粗黑宋简体" panose="02000000000000000000" pitchFamily="2" charset="-122"/>
+                <a:ea typeface="方正粗黑宋简体" panose="02000000000000000000" pitchFamily="2" charset="-122"/>
+                <a:cs typeface="Times New Roman" panose="02020603050405020304" pitchFamily="18" charset="0"/>
+              </a:rPr>
+              <a:t>HRTIM</a:t>
+            </a:r>
+            <a:r>
+              <a:rPr lang="zh-CN" altLang="en-US" sz="2400" kern="100" dirty="0">
+                <a:latin typeface="方正粗黑宋简体" panose="02000000000000000000" pitchFamily="2" charset="-122"/>
+                <a:ea typeface="方正粗黑宋简体" panose="02000000000000000000" pitchFamily="2" charset="-122"/>
+                <a:cs typeface="Times New Roman" panose="02020603050405020304" pitchFamily="18" charset="0"/>
+              </a:rPr>
+              <a:t>）控制</a:t>
+            </a:r>
+            <a:r>
+              <a:rPr lang="en-US" altLang="zh-CN" sz="2400" kern="100" dirty="0">
+                <a:latin typeface="方正粗黑宋简体" panose="02000000000000000000" pitchFamily="2" charset="-122"/>
+                <a:ea typeface="方正粗黑宋简体" panose="02000000000000000000" pitchFamily="2" charset="-122"/>
+                <a:cs typeface="Times New Roman" panose="02020603050405020304" pitchFamily="18" charset="0"/>
+              </a:rPr>
+              <a:t>PWM</a:t>
+            </a:r>
+            <a:r>
+              <a:rPr lang="zh-CN" altLang="en-US" sz="2400" kern="100" dirty="0">
+                <a:latin typeface="方正粗黑宋简体" panose="02000000000000000000" pitchFamily="2" charset="-122"/>
+                <a:ea typeface="方正粗黑宋简体" panose="02000000000000000000" pitchFamily="2" charset="-122"/>
+                <a:cs typeface="Times New Roman" panose="02020603050405020304" pitchFamily="18" charset="0"/>
+              </a:rPr>
+              <a:t>占空比，控制输出电压</a:t>
+            </a:r>
+            <a:endParaRPr lang="en-US" altLang="zh-CN" sz="2400" kern="100" dirty="0">
+              <a:latin typeface="方正粗黑宋简体" panose="02000000000000000000" pitchFamily="2" charset="-122"/>
+              <a:ea typeface="方正粗黑宋简体" panose="02000000000000000000" pitchFamily="2" charset="-122"/>
+              <a:cs typeface="Times New Roman" panose="02020603050405020304" pitchFamily="18" charset="0"/>
+            </a:endParaRPr>
+          </a:p>
+          <a:p>
+            <a:pPr marL="342900" lvl="0" indent="-342900" algn="l">
+              <a:lnSpc>
+                <a:spcPct val="150000"/>
+              </a:lnSpc>
+              <a:buFont typeface="+mj-lt"/>
+              <a:buAutoNum type="arabicPeriod"/>
+            </a:pPr>
+            <a:r>
+              <a:rPr lang="zh-CN" altLang="en-US" sz="2400" kern="100" dirty="0">
+                <a:solidFill>
+                  <a:srgbClr val="C00000"/>
+                </a:solidFill>
+                <a:latin typeface="方正粗黑宋简体" panose="02000000000000000000" pitchFamily="2" charset="-122"/>
+                <a:ea typeface="方正粗黑宋简体" panose="02000000000000000000" pitchFamily="2" charset="-122"/>
+                <a:cs typeface="Times New Roman" panose="02020603050405020304" pitchFamily="18" charset="0"/>
+              </a:rPr>
+              <a:t>电源滤波算法</a:t>
+            </a:r>
+            <a:r>
+              <a:rPr lang="zh-CN" altLang="en-US" sz="2400" kern="100" dirty="0">
+                <a:latin typeface="方正粗黑宋简体" panose="02000000000000000000" pitchFamily="2" charset="-122"/>
+                <a:ea typeface="方正粗黑宋简体" panose="02000000000000000000" pitchFamily="2" charset="-122"/>
+                <a:cs typeface="Times New Roman" panose="02020603050405020304" pitchFamily="18" charset="0"/>
+              </a:rPr>
+              <a:t>的实现</a:t>
+            </a:r>
+            <a:endParaRPr lang="en-US" altLang="zh-CN" sz="2400" kern="100" dirty="0">
+              <a:latin typeface="方正粗黑宋简体" panose="02000000000000000000" pitchFamily="2" charset="-122"/>
+              <a:ea typeface="方正粗黑宋简体" panose="02000000000000000000" pitchFamily="2" charset="-122"/>
+              <a:cs typeface="Times New Roman" panose="02020603050405020304" pitchFamily="18" charset="0"/>
+            </a:endParaRPr>
+          </a:p>
+          <a:p>
+            <a:pPr marL="342900" lvl="0" indent="-342900" algn="l">
+              <a:lnSpc>
+                <a:spcPct val="150000"/>
+              </a:lnSpc>
+              <a:buFont typeface="+mj-lt"/>
+              <a:buAutoNum type="arabicPeriod"/>
+            </a:pPr>
+            <a:r>
+              <a:rPr lang="zh-CN" altLang="en-US" sz="2400" kern="100" dirty="0">
+                <a:solidFill>
+                  <a:srgbClr val="C00000"/>
+                </a:solidFill>
+                <a:latin typeface="方正粗黑宋简体" panose="02000000000000000000" pitchFamily="2" charset="-122"/>
+                <a:ea typeface="方正粗黑宋简体" panose="02000000000000000000" pitchFamily="2" charset="-122"/>
+                <a:cs typeface="Times New Roman" panose="02020603050405020304" pitchFamily="18" charset="0"/>
+              </a:rPr>
+              <a:t>补偿参数</a:t>
+            </a:r>
+            <a:r>
+              <a:rPr lang="zh-CN" altLang="en-US" sz="2400" kern="100" dirty="0">
+                <a:latin typeface="方正粗黑宋简体" panose="02000000000000000000" pitchFamily="2" charset="-122"/>
+                <a:ea typeface="方正粗黑宋简体" panose="02000000000000000000" pitchFamily="2" charset="-122"/>
+                <a:cs typeface="Times New Roman" panose="02020603050405020304" pitchFamily="18" charset="0"/>
+              </a:rPr>
+              <a:t>的设定</a:t>
+            </a:r>
+            <a:endParaRPr lang="en-US" altLang="zh-CN" sz="2400" kern="100" dirty="0">
+              <a:latin typeface="方正粗黑宋简体" panose="02000000000000000000" pitchFamily="2" charset="-122"/>
+              <a:ea typeface="方正粗黑宋简体" panose="02000000000000000000" pitchFamily="2" charset="-122"/>
+              <a:cs typeface="Times New Roman" panose="02020603050405020304" pitchFamily="18" charset="0"/>
+            </a:endParaRPr>
+          </a:p>
+        </p:txBody>
+      </p:sp>
+      <p:sp>
+        <p:nvSpPr>
+          <p:cNvPr id="2" name="文本框 1">
+            <a:extLst>
+              <a:ext uri="{FF2B5EF4-FFF2-40B4-BE49-F238E27FC236}">
+                <a16:creationId xmlns:a16="http://schemas.microsoft.com/office/drawing/2014/main" id="{68EF82AA-2AAA-6BB2-F830-C2C471EA7862}"/>
+              </a:ext>
+            </a:extLst>
+          </p:cNvPr>
+          <p:cNvSpPr txBox="1"/>
+          <p:nvPr/>
+        </p:nvSpPr>
+        <p:spPr>
+          <a:xfrm>
+            <a:off x="690664" y="450263"/>
+            <a:ext cx="5612859" cy="830997"/>
+          </a:xfrm>
+          <a:prstGeom prst="rect">
+            <a:avLst/>
+          </a:prstGeom>
+          <a:noFill/>
+        </p:spPr>
+        <p:txBody>
+          <a:bodyPr wrap="square" rtlCol="0">
+            <a:spAutoFit/>
+          </a:bodyPr>
+          <a:lstStyle/>
+          <a:p>
+            <a:r>
+              <a:rPr lang="zh-CN" altLang="en-US" sz="4800" dirty="0">
+                <a:solidFill>
+                  <a:schemeClr val="accent1"/>
+                </a:solidFill>
+                <a:latin typeface="方正粗黑宋简体" panose="02000000000000000000" pitchFamily="2" charset="-122"/>
+                <a:ea typeface="方正粗黑宋简体" panose="02000000000000000000" pitchFamily="2" charset="-122"/>
+              </a:rPr>
+              <a:t>初步设计</a:t>
+            </a:r>
+            <a:r>
+              <a:rPr lang="en-US" altLang="zh-CN" sz="4800" dirty="0">
+                <a:solidFill>
+                  <a:schemeClr val="accent1"/>
+                </a:solidFill>
+                <a:latin typeface="方正粗黑宋简体" panose="02000000000000000000" pitchFamily="2" charset="-122"/>
+                <a:ea typeface="方正粗黑宋简体" panose="02000000000000000000" pitchFamily="2" charset="-122"/>
+              </a:rPr>
+              <a:t>-</a:t>
+            </a:r>
+            <a:r>
+              <a:rPr lang="zh-CN" altLang="en-US" sz="4800" dirty="0">
+                <a:solidFill>
+                  <a:schemeClr val="accent1"/>
+                </a:solidFill>
+                <a:latin typeface="方正粗黑宋简体" panose="02000000000000000000" pitchFamily="2" charset="-122"/>
+                <a:ea typeface="方正粗黑宋简体" panose="02000000000000000000" pitchFamily="2" charset="-122"/>
+              </a:rPr>
+              <a:t>算法实现</a:t>
+            </a:r>
+          </a:p>
+        </p:txBody>
+      </p:sp>
+    </p:spTree>
+    <p:extLst>
+      <p:ext uri="{BB962C8B-B14F-4D97-AF65-F5344CB8AC3E}">
+        <p14:creationId xmlns:p14="http://schemas.microsoft.com/office/powerpoint/2010/main" val="2989959934"/>
+      </p:ext>
+    </p:extLst>
+  </p:cSld>
+  <p:clrMapOvr>
+    <a:masterClrMapping/>
+  </p:clrMapOvr>
+</p:sld>
+</file>
+
+<file path=ppt/slides/slide8.xml><?xml version="1.0" encoding="utf-8"?>
+<p:sld xmlns:a="http://schemas.openxmlformats.org/drawingml/2006/main" xmlns:r="http://schemas.openxmlformats.org/officeDocument/2006/relationships" xmlns:p="http://schemas.openxmlformats.org/presentationml/2006/main">
+  <p:cSld>
+    <p:spTree>
+      <p:nvGrpSpPr>
+        <p:cNvPr id="1" name=""/>
+        <p:cNvGrpSpPr/>
+        <p:nvPr/>
+      </p:nvGrpSpPr>
+      <p:grpSpPr>
+        <a:xfrm>
+          <a:off x="0" y="0"/>
+          <a:ext cx="0" cy="0"/>
+          <a:chOff x="0" y="0"/>
+          <a:chExt cx="0" cy="0"/>
+        </a:xfrm>
+      </p:grpSpPr>
+      <p:sp>
+        <p:nvSpPr>
+          <p:cNvPr id="2" name="文本框 1">
+            <a:extLst>
+              <a:ext uri="{FF2B5EF4-FFF2-40B4-BE49-F238E27FC236}">
+                <a16:creationId xmlns:a16="http://schemas.microsoft.com/office/drawing/2014/main" id="{D7CC1448-0798-ED80-798B-01C0B431762F}"/>
+              </a:ext>
+            </a:extLst>
+          </p:cNvPr>
+          <p:cNvSpPr txBox="1"/>
+          <p:nvPr/>
+        </p:nvSpPr>
+        <p:spPr>
+          <a:xfrm>
+            <a:off x="690664" y="450263"/>
+            <a:ext cx="5612859" cy="830997"/>
+          </a:xfrm>
+          <a:prstGeom prst="rect">
+            <a:avLst/>
+          </a:prstGeom>
+          <a:noFill/>
+        </p:spPr>
+        <p:txBody>
+          <a:bodyPr wrap="square" rtlCol="0">
+            <a:spAutoFit/>
+          </a:bodyPr>
+          <a:lstStyle/>
+          <a:p>
+            <a:r>
+              <a:rPr lang="zh-CN" altLang="en-US" sz="4800" dirty="0">
+                <a:solidFill>
+                  <a:srgbClr val="C00000"/>
+                </a:solidFill>
+                <a:latin typeface="方正粗黑宋简体" panose="02000000000000000000" pitchFamily="2" charset="-122"/>
+                <a:ea typeface="方正粗黑宋简体" panose="02000000000000000000" pitchFamily="2" charset="-122"/>
+              </a:rPr>
+              <a:t>进阶设计</a:t>
+            </a:r>
+          </a:p>
+        </p:txBody>
+      </p:sp>
+      <p:sp>
+        <p:nvSpPr>
+          <p:cNvPr id="5" name="文本框 4">
+            <a:extLst>
+              <a:ext uri="{FF2B5EF4-FFF2-40B4-BE49-F238E27FC236}">
+                <a16:creationId xmlns:a16="http://schemas.microsoft.com/office/drawing/2014/main" id="{DFC07B17-A422-BAF5-06B2-5620167288F3}"/>
+              </a:ext>
+            </a:extLst>
+          </p:cNvPr>
+          <p:cNvSpPr txBox="1"/>
+          <p:nvPr/>
+        </p:nvSpPr>
+        <p:spPr>
+          <a:xfrm>
+            <a:off x="5365944" y="2094102"/>
+            <a:ext cx="5057289" cy="1704569"/>
+          </a:xfrm>
+          <a:prstGeom prst="rect">
+            <a:avLst/>
+          </a:prstGeom>
+          <a:noFill/>
+        </p:spPr>
+        <p:txBody>
+          <a:bodyPr wrap="square" rtlCol="0">
+            <a:spAutoFit/>
+          </a:bodyPr>
+          <a:lstStyle/>
+          <a:p>
+            <a:pPr>
+              <a:lnSpc>
+                <a:spcPct val="150000"/>
+              </a:lnSpc>
+            </a:pPr>
+            <a:r>
+              <a:rPr lang="en-US" altLang="zh-CN" sz="2400" dirty="0">
+                <a:latin typeface="方正粗黑宋简体" panose="02000000000000000000" pitchFamily="2" charset="-122"/>
+                <a:ea typeface="方正粗黑宋简体" panose="02000000000000000000" pitchFamily="2" charset="-122"/>
+              </a:rPr>
+              <a:t> </a:t>
+            </a:r>
+            <a:r>
+              <a:rPr lang="en-US" altLang="zh-CN" sz="2400" dirty="0" err="1">
+                <a:latin typeface="方正粗黑宋简体" panose="02000000000000000000" pitchFamily="2" charset="-122"/>
+                <a:ea typeface="方正粗黑宋简体" panose="02000000000000000000" pitchFamily="2" charset="-122"/>
+              </a:rPr>
+              <a:t>使用</a:t>
+            </a:r>
+            <a:r>
+              <a:rPr lang="en-US" altLang="zh-CN" sz="2400" dirty="0" err="1">
+                <a:solidFill>
+                  <a:srgbClr val="C00000"/>
+                </a:solidFill>
+                <a:latin typeface="方正粗黑宋简体" panose="02000000000000000000" pitchFamily="2" charset="-122"/>
+                <a:ea typeface="方正粗黑宋简体" panose="02000000000000000000" pitchFamily="2" charset="-122"/>
+              </a:rPr>
+              <a:t>USART或SPI连接屏幕</a:t>
+            </a:r>
+            <a:r>
+              <a:rPr lang="zh-CN" altLang="en-US" sz="2400" dirty="0">
+                <a:latin typeface="方正粗黑宋简体" panose="02000000000000000000" pitchFamily="2" charset="-122"/>
+                <a:ea typeface="方正粗黑宋简体" panose="02000000000000000000" pitchFamily="2" charset="-122"/>
+              </a:rPr>
+              <a:t>，实时显示电压，电流，功率等参数，监测与测试更加方便</a:t>
+            </a:r>
+          </a:p>
+        </p:txBody>
+      </p:sp>
+      <p:sp>
+        <p:nvSpPr>
+          <p:cNvPr id="6" name="文本框 5">
+            <a:extLst>
+              <a:ext uri="{FF2B5EF4-FFF2-40B4-BE49-F238E27FC236}">
+                <a16:creationId xmlns:a16="http://schemas.microsoft.com/office/drawing/2014/main" id="{C650DD62-1C31-AD91-9C63-B117120D33C4}"/>
+              </a:ext>
+            </a:extLst>
+          </p:cNvPr>
+          <p:cNvSpPr txBox="1"/>
+          <p:nvPr/>
+        </p:nvSpPr>
+        <p:spPr>
+          <a:xfrm>
+            <a:off x="654468" y="4611514"/>
+            <a:ext cx="4530987" cy="1704569"/>
+          </a:xfrm>
+          <a:prstGeom prst="rect">
+            <a:avLst/>
+          </a:prstGeom>
+          <a:noFill/>
+        </p:spPr>
+        <p:txBody>
+          <a:bodyPr wrap="square" rtlCol="0">
+            <a:spAutoFit/>
+          </a:bodyPr>
+          <a:lstStyle/>
+          <a:p>
+            <a:pPr lvl="0" algn="r">
+              <a:lnSpc>
+                <a:spcPct val="150000"/>
+              </a:lnSpc>
+              <a:buNone/>
+            </a:pPr>
+            <a:r>
+              <a:rPr lang="en-US" altLang="zh-CN" sz="2400" dirty="0" err="1">
+                <a:latin typeface="方正粗黑宋简体" panose="02000000000000000000" pitchFamily="2" charset="-122"/>
+                <a:ea typeface="方正粗黑宋简体" panose="02000000000000000000" pitchFamily="2" charset="-122"/>
+              </a:rPr>
+              <a:t>通过</a:t>
+            </a:r>
+            <a:r>
+              <a:rPr lang="en-US" altLang="zh-CN" sz="2400" dirty="0" err="1">
+                <a:solidFill>
+                  <a:srgbClr val="C00000"/>
+                </a:solidFill>
+                <a:latin typeface="方正粗黑宋简体" panose="02000000000000000000" pitchFamily="2" charset="-122"/>
+                <a:ea typeface="方正粗黑宋简体" panose="02000000000000000000" pitchFamily="2" charset="-122"/>
+              </a:rPr>
+              <a:t>CAN总线</a:t>
+            </a:r>
+            <a:r>
+              <a:rPr lang="en-US" altLang="zh-CN" sz="2400" dirty="0" err="1">
+                <a:latin typeface="方正粗黑宋简体" panose="02000000000000000000" pitchFamily="2" charset="-122"/>
+                <a:ea typeface="方正粗黑宋简体" panose="02000000000000000000" pitchFamily="2" charset="-122"/>
+              </a:rPr>
+              <a:t>与其他嵌入式设备实现通讯</a:t>
+            </a:r>
+            <a:r>
+              <a:rPr lang="zh-CN" altLang="en-US" sz="2400" dirty="0">
+                <a:latin typeface="方正粗黑宋简体" panose="02000000000000000000" pitchFamily="2" charset="-122"/>
+                <a:ea typeface="方正粗黑宋简体" panose="02000000000000000000" pitchFamily="2" charset="-122"/>
+              </a:rPr>
+              <a:t>，实现设备间协同，获取关键参数</a:t>
+            </a:r>
+            <a:endParaRPr lang="en-US" altLang="zh-CN" sz="2400" dirty="0">
+              <a:latin typeface="方正粗黑宋简体" panose="02000000000000000000" pitchFamily="2" charset="-122"/>
+              <a:ea typeface="方正粗黑宋简体" panose="02000000000000000000" pitchFamily="2" charset="-122"/>
+            </a:endParaRPr>
+          </a:p>
+        </p:txBody>
+      </p:sp>
+      <p:sp>
+        <p:nvSpPr>
+          <p:cNvPr id="7" name="文本框 6">
+            <a:extLst>
+              <a:ext uri="{FF2B5EF4-FFF2-40B4-BE49-F238E27FC236}">
+                <a16:creationId xmlns:a16="http://schemas.microsoft.com/office/drawing/2014/main" id="{E2E4AC1B-EC6A-1AFC-A20C-4F2AAD2E813E}"/>
+              </a:ext>
+            </a:extLst>
+          </p:cNvPr>
+          <p:cNvSpPr txBox="1"/>
+          <p:nvPr/>
+        </p:nvSpPr>
+        <p:spPr>
+          <a:xfrm>
+            <a:off x="4454834" y="1917777"/>
+            <a:ext cx="615553" cy="2428680"/>
+          </a:xfrm>
+          <a:prstGeom prst="rect">
+            <a:avLst/>
+          </a:prstGeom>
+          <a:noFill/>
+        </p:spPr>
+        <p:txBody>
+          <a:bodyPr vert="eaVert" wrap="square" rtlCol="0">
+            <a:spAutoFit/>
+          </a:bodyPr>
+          <a:lstStyle/>
+          <a:p>
+            <a:r>
+              <a:rPr lang="zh-CN" altLang="en-US" sz="2800" dirty="0">
+                <a:solidFill>
+                  <a:schemeClr val="accent1"/>
+                </a:solidFill>
+                <a:latin typeface="方正粗黑宋简体" panose="02000000000000000000" pitchFamily="2" charset="-122"/>
+                <a:ea typeface="方正粗黑宋简体" panose="02000000000000000000" pitchFamily="2" charset="-122"/>
+              </a:rPr>
+              <a:t>数据可视化</a:t>
+            </a:r>
+          </a:p>
+        </p:txBody>
+      </p:sp>
+      <p:sp>
+        <p:nvSpPr>
+          <p:cNvPr id="8" name="文本框 7">
+            <a:extLst>
+              <a:ext uri="{FF2B5EF4-FFF2-40B4-BE49-F238E27FC236}">
+                <a16:creationId xmlns:a16="http://schemas.microsoft.com/office/drawing/2014/main" id="{E1ECB027-54F1-0ACD-FAA6-9CF859D3EB1B}"/>
+              </a:ext>
+            </a:extLst>
+          </p:cNvPr>
+          <p:cNvSpPr txBox="1"/>
+          <p:nvPr/>
+        </p:nvSpPr>
+        <p:spPr>
+          <a:xfrm>
+            <a:off x="5365945" y="4715947"/>
+            <a:ext cx="615553" cy="1998483"/>
+          </a:xfrm>
+          <a:prstGeom prst="rect">
+            <a:avLst/>
+          </a:prstGeom>
+          <a:noFill/>
+        </p:spPr>
+        <p:txBody>
+          <a:bodyPr vert="eaVert" wrap="square" rtlCol="0">
+            <a:spAutoFit/>
+          </a:bodyPr>
+          <a:lstStyle/>
+          <a:p>
+            <a:r>
+              <a:rPr lang="zh-CN" altLang="en-US" sz="2800" dirty="0">
+                <a:solidFill>
+                  <a:schemeClr val="accent1"/>
+                </a:solidFill>
+                <a:latin typeface="方正粗黑宋简体" panose="02000000000000000000" pitchFamily="2" charset="-122"/>
+                <a:ea typeface="方正粗黑宋简体" panose="02000000000000000000" pitchFamily="2" charset="-122"/>
+              </a:rPr>
+              <a:t>设备协同</a:t>
+            </a:r>
+          </a:p>
+        </p:txBody>
+      </p:sp>
+      <p:pic>
+        <p:nvPicPr>
+          <p:cNvPr id="1026" name="Picture 2" descr="See the source image">
+            <a:extLst>
+              <a:ext uri="{FF2B5EF4-FFF2-40B4-BE49-F238E27FC236}">
+                <a16:creationId xmlns:a16="http://schemas.microsoft.com/office/drawing/2014/main" id="{6C1F3E08-9B5D-E3C7-DECA-95D4E9363746}"/>
+              </a:ext>
+            </a:extLst>
+          </p:cNvPr>
+          <p:cNvPicPr>
+            <a:picLocks noChangeAspect="1" noChangeArrowheads="1"/>
+          </p:cNvPicPr>
+          <p:nvPr/>
+        </p:nvPicPr>
+        <p:blipFill>
+          <a:blip r:embed="rId2">
+            <a:extLst>
+              <a:ext uri="{28A0092B-C50C-407E-A947-70E740481C1C}">
+                <a14:useLocalDpi xmlns:a14="http://schemas.microsoft.com/office/drawing/2010/main" val="0"/>
+              </a:ext>
+            </a:extLst>
+          </a:blip>
+          <a:srcRect/>
+          <a:stretch>
+            <a:fillRect/>
+          </a:stretch>
+        </p:blipFill>
+        <p:spPr bwMode="auto">
+          <a:xfrm>
+            <a:off x="6161988" y="4290682"/>
+            <a:ext cx="5641852" cy="2115694"/>
+          </a:xfrm>
+          <a:prstGeom prst="rect">
+            <a:avLst/>
+          </a:prstGeom>
+          <a:noFill/>
+          <a:extLst>
+            <a:ext uri="{909E8E84-426E-40DD-AFC4-6F175D3DCCD1}">
+              <a14:hiddenFill xmlns:a14="http://schemas.microsoft.com/office/drawing/2010/main">
+                <a:solidFill>
+                  <a:srgbClr val="FFFFFF"/>
+                </a:solidFill>
+              </a14:hiddenFill>
+            </a:ext>
+          </a:extLst>
+        </p:spPr>
+      </p:pic>
+      <p:pic>
+        <p:nvPicPr>
+          <p:cNvPr id="1028" name="Picture 4" descr="See the source image">
+            <a:extLst>
+              <a:ext uri="{FF2B5EF4-FFF2-40B4-BE49-F238E27FC236}">
+                <a16:creationId xmlns:a16="http://schemas.microsoft.com/office/drawing/2014/main" id="{742276C2-3FF3-1EDB-DB72-ADB5A460F832}"/>
+              </a:ext>
+            </a:extLst>
+          </p:cNvPr>
+          <p:cNvPicPr>
+            <a:picLocks noChangeAspect="1" noChangeArrowheads="1"/>
+          </p:cNvPicPr>
+          <p:nvPr/>
+        </p:nvPicPr>
+        <p:blipFill>
+          <a:blip r:embed="rId3">
+            <a:extLst>
+              <a:ext uri="{28A0092B-C50C-407E-A947-70E740481C1C}">
+                <a14:useLocalDpi xmlns:a14="http://schemas.microsoft.com/office/drawing/2010/main" val="0"/>
+              </a:ext>
+            </a:extLst>
+          </a:blip>
+          <a:srcRect/>
+          <a:stretch>
+            <a:fillRect/>
+          </a:stretch>
+        </p:blipFill>
+        <p:spPr bwMode="auto">
+          <a:xfrm>
+            <a:off x="1491367" y="1567649"/>
+            <a:ext cx="2667910" cy="2667910"/>
+          </a:xfrm>
+          <a:prstGeom prst="rect">
+            <a:avLst/>
+          </a:prstGeom>
+          <a:noFill/>
+          <a:extLst>
+            <a:ext uri="{909E8E84-426E-40DD-AFC4-6F175D3DCCD1}">
+              <a14:hiddenFill xmlns:a14="http://schemas.microsoft.com/office/drawing/2010/main">
+                <a:solidFill>
+                  <a:srgbClr val="FFFFFF"/>
+                </a:solidFill>
+              </a14:hiddenFill>
+            </a:ext>
+          </a:extLst>
+        </p:spPr>
+      </p:pic>
+    </p:spTree>
+    <p:extLst>
+      <p:ext uri="{BB962C8B-B14F-4D97-AF65-F5344CB8AC3E}">
+        <p14:creationId xmlns:p14="http://schemas.microsoft.com/office/powerpoint/2010/main" val="746646741"/>
+      </p:ext>
+    </p:extLst>
+  </p:cSld>
+  <p:clrMapOvr>
+    <a:masterClrMapping/>
+  </p:clrMapOvr>
+</p:sld>
+</file>
+
+<file path=ppt/slides/slide9.xml><?xml version="1.0" encoding="utf-8"?>
 <p:sld xmlns:a="http://schemas.openxmlformats.org/drawingml/2006/main" xmlns:r="http://schemas.openxmlformats.org/officeDocument/2006/relationships" xmlns:p="http://schemas.openxmlformats.org/presentationml/2006/main">
   <p:cSld>
     <p:spTree>
@@ -14074,564 +16412,6 @@
     <p:extLst>
       <p:ext uri="{BB962C8B-B14F-4D97-AF65-F5344CB8AC3E}">
         <p14:creationId xmlns:p14="http://schemas.microsoft.com/office/powerpoint/2010/main" val="1191610450"/>
-      </p:ext>
-    </p:extLst>
-  </p:cSld>
-  <p:clrMapOvr>
-    <a:masterClrMapping/>
-  </p:clrMapOvr>
-</p:sld>
-</file>
-
-<file path=ppt/slides/slide7.xml><?xml version="1.0" encoding="utf-8"?>
-<p:sld xmlns:a="http://schemas.openxmlformats.org/drawingml/2006/main" xmlns:r="http://schemas.openxmlformats.org/officeDocument/2006/relationships" xmlns:p="http://schemas.openxmlformats.org/presentationml/2006/main">
-  <p:cSld>
-    <p:spTree>
-      <p:nvGrpSpPr>
-        <p:cNvPr id="1" name=""/>
-        <p:cNvGrpSpPr/>
-        <p:nvPr/>
-      </p:nvGrpSpPr>
-      <p:grpSpPr>
-        <a:xfrm>
-          <a:off x="0" y="0"/>
-          <a:ext cx="0" cy="0"/>
-          <a:chOff x="0" y="0"/>
-          <a:chExt cx="0" cy="0"/>
-        </a:xfrm>
-      </p:grpSpPr>
-      <p:sp>
-        <p:nvSpPr>
-          <p:cNvPr id="2" name="TextBox 1">
-            <a:extLst>
-              <a:ext uri="{FF2B5EF4-FFF2-40B4-BE49-F238E27FC236}">
-                <a16:creationId xmlns:a16="http://schemas.microsoft.com/office/drawing/2014/main" id="{1A5769DC-DD36-4758-551E-E481147434B0}"/>
-              </a:ext>
-            </a:extLst>
-          </p:cNvPr>
-          <p:cNvSpPr txBox="1"/>
-          <p:nvPr/>
-        </p:nvSpPr>
-        <p:spPr>
-          <a:xfrm>
-            <a:off x="933979" y="1590841"/>
-            <a:ext cx="10415893" cy="4336893"/>
-          </a:xfrm>
-          <a:prstGeom prst="rect">
-            <a:avLst/>
-          </a:prstGeom>
-          <a:noFill/>
-        </p:spPr>
-        <p:txBody>
-          <a:bodyPr wrap="square" lIns="72000" rIns="108000" rtlCol="0">
-            <a:spAutoFit/>
-          </a:bodyPr>
-          <a:lstStyle/>
-          <a:p>
-            <a:pPr marL="457200" indent="-457200">
-              <a:lnSpc>
-                <a:spcPct val="150000"/>
-              </a:lnSpc>
-              <a:buFont typeface="Wingdings" panose="05000000000000000000" pitchFamily="2" charset="2"/>
-              <a:buChar char="Ø"/>
-            </a:pPr>
-            <a:r>
-              <a:rPr lang="en-CN" sz="2800" dirty="0">
-                <a:solidFill>
-                  <a:schemeClr val="accent2">
-                    <a:lumMod val="75000"/>
-                  </a:schemeClr>
-                </a:solidFill>
-                <a:latin typeface="方正粗黑宋简体" panose="02000000000000000000" pitchFamily="2" charset="-122"/>
-                <a:ea typeface="方正粗黑宋简体" panose="02000000000000000000" pitchFamily="2" charset="-122"/>
-              </a:rPr>
-              <a:t>原理图及PCB设计</a:t>
-            </a:r>
-            <a:r>
-              <a:rPr lang="zh-CN" altLang="en-US" sz="2800" dirty="0">
-                <a:solidFill>
-                  <a:schemeClr val="accent2">
-                    <a:lumMod val="75000"/>
-                  </a:schemeClr>
-                </a:solidFill>
-                <a:latin typeface="方正粗黑宋简体" panose="02000000000000000000" pitchFamily="2" charset="-122"/>
-                <a:ea typeface="方正粗黑宋简体" panose="02000000000000000000" pitchFamily="2" charset="-122"/>
-              </a:rPr>
-              <a:t>，焊接与测试</a:t>
-            </a:r>
-            <a:r>
-              <a:rPr lang="en-US" altLang="zh-CN" sz="2800" dirty="0">
-                <a:solidFill>
-                  <a:schemeClr val="accent2">
-                    <a:lumMod val="75000"/>
-                  </a:schemeClr>
-                </a:solidFill>
-                <a:latin typeface="方正粗黑宋简体" panose="02000000000000000000" pitchFamily="2" charset="-122"/>
-                <a:ea typeface="方正粗黑宋简体" panose="02000000000000000000" pitchFamily="2" charset="-122"/>
-              </a:rPr>
-              <a:t>-------------</a:t>
-            </a:r>
-            <a:r>
-              <a:rPr lang="zh-CN" altLang="en-US" sz="2800" dirty="0">
-                <a:solidFill>
-                  <a:schemeClr val="accent2">
-                    <a:lumMod val="75000"/>
-                  </a:schemeClr>
-                </a:solidFill>
-                <a:latin typeface="方正粗黑宋简体" panose="02000000000000000000" pitchFamily="2" charset="-122"/>
-                <a:ea typeface="方正粗黑宋简体" panose="02000000000000000000" pitchFamily="2" charset="-122"/>
-              </a:rPr>
-              <a:t>周弘毅</a:t>
-            </a:r>
-            <a:endParaRPr lang="en-US" altLang="zh-CN" sz="2800" dirty="0">
-              <a:solidFill>
-                <a:schemeClr val="accent2">
-                  <a:lumMod val="75000"/>
-                </a:schemeClr>
-              </a:solidFill>
-              <a:latin typeface="方正粗黑宋简体" panose="02000000000000000000" pitchFamily="2" charset="-122"/>
-              <a:ea typeface="方正粗黑宋简体" panose="02000000000000000000" pitchFamily="2" charset="-122"/>
-            </a:endParaRPr>
-          </a:p>
-          <a:p>
-            <a:pPr marL="457200" indent="-457200">
-              <a:lnSpc>
-                <a:spcPct val="150000"/>
-              </a:lnSpc>
-              <a:buFont typeface="Wingdings" panose="05000000000000000000" pitchFamily="2" charset="2"/>
-              <a:buChar char="Ø"/>
-            </a:pPr>
-            <a:r>
-              <a:rPr lang="zh-CN" altLang="en-US" sz="2800" dirty="0">
-                <a:solidFill>
-                  <a:schemeClr val="accent1">
-                    <a:lumMod val="75000"/>
-                  </a:schemeClr>
-                </a:solidFill>
-                <a:latin typeface="方正粗黑宋简体" panose="02000000000000000000" pitchFamily="2" charset="-122"/>
-                <a:ea typeface="方正粗黑宋简体" panose="02000000000000000000" pitchFamily="2" charset="-122"/>
-              </a:rPr>
-              <a:t>电路仿真、嵌入式编程与部分算法实现</a:t>
-            </a:r>
-            <a:r>
-              <a:rPr lang="en-US" altLang="zh-CN" sz="2800" dirty="0">
-                <a:solidFill>
-                  <a:schemeClr val="accent1">
-                    <a:lumMod val="75000"/>
-                  </a:schemeClr>
-                </a:solidFill>
-                <a:latin typeface="方正粗黑宋简体" panose="02000000000000000000" pitchFamily="2" charset="-122"/>
-                <a:ea typeface="方正粗黑宋简体" panose="02000000000000000000" pitchFamily="2" charset="-122"/>
-              </a:rPr>
-              <a:t>-------</a:t>
-            </a:r>
-            <a:r>
-              <a:rPr lang="zh-CN" altLang="en-US" sz="2800" dirty="0">
-                <a:solidFill>
-                  <a:schemeClr val="accent1">
-                    <a:lumMod val="75000"/>
-                  </a:schemeClr>
-                </a:solidFill>
-                <a:latin typeface="方正粗黑宋简体" panose="02000000000000000000" pitchFamily="2" charset="-122"/>
-                <a:ea typeface="方正粗黑宋简体" panose="02000000000000000000" pitchFamily="2" charset="-122"/>
-              </a:rPr>
-              <a:t>钟吴子正</a:t>
-            </a:r>
-            <a:endParaRPr lang="en-US" altLang="zh-CN" sz="2800" dirty="0">
-              <a:solidFill>
-                <a:schemeClr val="accent1">
-                  <a:lumMod val="75000"/>
-                </a:schemeClr>
-              </a:solidFill>
-              <a:latin typeface="方正粗黑宋简体" panose="02000000000000000000" pitchFamily="2" charset="-122"/>
-              <a:ea typeface="方正粗黑宋简体" panose="02000000000000000000" pitchFamily="2" charset="-122"/>
-            </a:endParaRPr>
-          </a:p>
-          <a:p>
-            <a:pPr marL="457200" indent="-457200">
-              <a:lnSpc>
-                <a:spcPct val="150000"/>
-              </a:lnSpc>
-              <a:buFont typeface="Wingdings" panose="05000000000000000000" pitchFamily="2" charset="2"/>
-              <a:buChar char="Ø"/>
-            </a:pPr>
-            <a:r>
-              <a:rPr lang="zh-CN" altLang="en-US" sz="2800" dirty="0">
-                <a:solidFill>
-                  <a:schemeClr val="accent2">
-                    <a:lumMod val="75000"/>
-                  </a:schemeClr>
-                </a:solidFill>
-                <a:latin typeface="方正粗黑宋简体" panose="02000000000000000000" pitchFamily="2" charset="-122"/>
-                <a:ea typeface="方正粗黑宋简体" panose="02000000000000000000" pitchFamily="2" charset="-122"/>
-              </a:rPr>
-              <a:t>控制逻辑与部分算法实现</a:t>
-            </a:r>
-            <a:r>
-              <a:rPr lang="en-US" altLang="zh-CN" sz="2800" dirty="0">
-                <a:solidFill>
-                  <a:schemeClr val="accent2">
-                    <a:lumMod val="75000"/>
-                  </a:schemeClr>
-                </a:solidFill>
-                <a:latin typeface="方正粗黑宋简体" panose="02000000000000000000" pitchFamily="2" charset="-122"/>
-                <a:ea typeface="方正粗黑宋简体" panose="02000000000000000000" pitchFamily="2" charset="-122"/>
-              </a:rPr>
-              <a:t>-------------------</a:t>
-            </a:r>
-            <a:r>
-              <a:rPr lang="zh-CN" altLang="en-US" sz="2800" dirty="0">
-                <a:solidFill>
-                  <a:schemeClr val="accent2">
-                    <a:lumMod val="75000"/>
-                  </a:schemeClr>
-                </a:solidFill>
-                <a:latin typeface="方正粗黑宋简体" panose="02000000000000000000" pitchFamily="2" charset="-122"/>
-                <a:ea typeface="方正粗黑宋简体" panose="02000000000000000000" pitchFamily="2" charset="-122"/>
-              </a:rPr>
-              <a:t>陈骤</a:t>
-            </a:r>
-            <a:endParaRPr lang="en-US" altLang="zh-CN" sz="2800" dirty="0">
-              <a:solidFill>
-                <a:schemeClr val="accent2">
-                  <a:lumMod val="75000"/>
-                </a:schemeClr>
-              </a:solidFill>
-              <a:latin typeface="方正粗黑宋简体" panose="02000000000000000000" pitchFamily="2" charset="-122"/>
-              <a:ea typeface="方正粗黑宋简体" panose="02000000000000000000" pitchFamily="2" charset="-122"/>
-            </a:endParaRPr>
-          </a:p>
-          <a:p>
-            <a:pPr marL="457200" indent="-457200">
-              <a:lnSpc>
-                <a:spcPct val="150000"/>
-              </a:lnSpc>
-              <a:buFont typeface="Wingdings" panose="05000000000000000000" pitchFamily="2" charset="2"/>
-              <a:buChar char="Ø"/>
-            </a:pPr>
-            <a:r>
-              <a:rPr lang="zh-CN" altLang="en-US" sz="2800" dirty="0">
-                <a:solidFill>
-                  <a:schemeClr val="accent1">
-                    <a:lumMod val="75000"/>
-                  </a:schemeClr>
-                </a:solidFill>
-                <a:latin typeface="方正粗黑宋简体" panose="02000000000000000000" pitchFamily="2" charset="-122"/>
-                <a:ea typeface="方正粗黑宋简体" panose="02000000000000000000" pitchFamily="2" charset="-122"/>
-              </a:rPr>
-              <a:t>机械结构设计与电路测试</a:t>
-            </a:r>
-            <a:r>
-              <a:rPr lang="en-US" altLang="zh-CN" sz="2800" dirty="0">
-                <a:solidFill>
-                  <a:schemeClr val="accent1">
-                    <a:lumMod val="75000"/>
-                  </a:schemeClr>
-                </a:solidFill>
-                <a:latin typeface="方正粗黑宋简体" panose="02000000000000000000" pitchFamily="2" charset="-122"/>
-                <a:ea typeface="方正粗黑宋简体" panose="02000000000000000000" pitchFamily="2" charset="-122"/>
-              </a:rPr>
-              <a:t>------------------</a:t>
-            </a:r>
-            <a:r>
-              <a:rPr lang="zh-CN" altLang="en-US" sz="2800" dirty="0">
-                <a:solidFill>
-                  <a:schemeClr val="accent1">
-                    <a:lumMod val="75000"/>
-                  </a:schemeClr>
-                </a:solidFill>
-                <a:latin typeface="方正粗黑宋简体" panose="02000000000000000000" pitchFamily="2" charset="-122"/>
-                <a:ea typeface="方正粗黑宋简体" panose="02000000000000000000" pitchFamily="2" charset="-122"/>
-              </a:rPr>
-              <a:t>魏毓瞳</a:t>
-            </a:r>
-            <a:endParaRPr lang="en-US" altLang="zh-CN" sz="2800" dirty="0">
-              <a:solidFill>
-                <a:schemeClr val="accent1">
-                  <a:lumMod val="75000"/>
-                </a:schemeClr>
-              </a:solidFill>
-              <a:latin typeface="方正粗黑宋简体" panose="02000000000000000000" pitchFamily="2" charset="-122"/>
-              <a:ea typeface="方正粗黑宋简体" panose="02000000000000000000" pitchFamily="2" charset="-122"/>
-            </a:endParaRPr>
-          </a:p>
-          <a:p>
-            <a:pPr marL="457200" indent="-457200">
-              <a:lnSpc>
-                <a:spcPct val="150000"/>
-              </a:lnSpc>
-              <a:buFont typeface="Wingdings" panose="05000000000000000000" pitchFamily="2" charset="2"/>
-              <a:buChar char="Ø"/>
-            </a:pPr>
-            <a:r>
-              <a:rPr lang="zh-CN" altLang="en-US" sz="2800" dirty="0">
-                <a:solidFill>
-                  <a:srgbClr val="C00000"/>
-                </a:solidFill>
-                <a:latin typeface="方正粗黑宋简体" panose="02000000000000000000" pitchFamily="2" charset="-122"/>
-                <a:ea typeface="方正粗黑宋简体" panose="02000000000000000000" pitchFamily="2" charset="-122"/>
-              </a:rPr>
-              <a:t>元件购买、实验数据记录及报告</a:t>
-            </a:r>
-            <a:r>
-              <a:rPr lang="en-US" altLang="zh-CN" sz="2800" dirty="0">
-                <a:solidFill>
-                  <a:srgbClr val="C00000"/>
-                </a:solidFill>
-                <a:latin typeface="方正粗黑宋简体" panose="02000000000000000000" pitchFamily="2" charset="-122"/>
-                <a:ea typeface="方正粗黑宋简体" panose="02000000000000000000" pitchFamily="2" charset="-122"/>
-              </a:rPr>
-              <a:t>------------</a:t>
-            </a:r>
-            <a:r>
-              <a:rPr lang="zh-CN" altLang="en-US" sz="2800" dirty="0">
-                <a:solidFill>
-                  <a:srgbClr val="C00000"/>
-                </a:solidFill>
-                <a:latin typeface="方正粗黑宋简体" panose="02000000000000000000" pitchFamily="2" charset="-122"/>
-                <a:ea typeface="方正粗黑宋简体" panose="02000000000000000000" pitchFamily="2" charset="-122"/>
-              </a:rPr>
-              <a:t>全体组员</a:t>
-            </a:r>
-            <a:endParaRPr lang="en-US" altLang="zh-CN" sz="2800" dirty="0">
-              <a:solidFill>
-                <a:srgbClr val="C00000"/>
-              </a:solidFill>
-              <a:latin typeface="方正粗黑宋简体" panose="02000000000000000000" pitchFamily="2" charset="-122"/>
-              <a:ea typeface="方正粗黑宋简体" panose="02000000000000000000" pitchFamily="2" charset="-122"/>
-            </a:endParaRPr>
-          </a:p>
-          <a:p>
-            <a:pPr>
-              <a:lnSpc>
-                <a:spcPct val="150000"/>
-              </a:lnSpc>
-            </a:pPr>
-            <a:endParaRPr lang="en-US" altLang="zh-CN" sz="2800" dirty="0">
-              <a:latin typeface="Hei" pitchFamily="2" charset="-122"/>
-              <a:ea typeface="Hei" pitchFamily="2" charset="-122"/>
-            </a:endParaRPr>
-          </a:p>
-          <a:p>
-            <a:pPr algn="ctr">
-              <a:lnSpc>
-                <a:spcPct val="150000"/>
-              </a:lnSpc>
-            </a:pPr>
-            <a:r>
-              <a:rPr lang="en-US" dirty="0">
-                <a:latin typeface="黑体" panose="02010609060101010101" pitchFamily="49" charset="-122"/>
-                <a:ea typeface="黑体" panose="02010609060101010101" pitchFamily="49" charset="-122"/>
-              </a:rPr>
-              <a:t>P.S. </a:t>
-            </a:r>
-            <a:r>
-              <a:rPr lang="zh-CN" altLang="en-US" dirty="0">
-                <a:latin typeface="黑体" panose="02010609060101010101" pitchFamily="49" charset="-122"/>
-                <a:ea typeface="黑体" panose="02010609060101010101" pitchFamily="49" charset="-122"/>
-              </a:rPr>
-              <a:t>代码协作使用</a:t>
-            </a:r>
-            <a:r>
-              <a:rPr lang="en-US" altLang="zh-CN" dirty="0">
-                <a:latin typeface="黑体" panose="02010609060101010101" pitchFamily="49" charset="-122"/>
-                <a:ea typeface="黑体" panose="02010609060101010101" pitchFamily="49" charset="-122"/>
-              </a:rPr>
-              <a:t>CRA</a:t>
-            </a:r>
-            <a:r>
-              <a:rPr lang="zh-CN" altLang="en-US" dirty="0">
-                <a:latin typeface="黑体" panose="02010609060101010101" pitchFamily="49" charset="-122"/>
-                <a:ea typeface="黑体" panose="02010609060101010101" pitchFamily="49" charset="-122"/>
-              </a:rPr>
-              <a:t>提供的</a:t>
-            </a:r>
-            <a:r>
-              <a:rPr lang="en-US" altLang="zh-CN" dirty="0">
-                <a:latin typeface="黑体" panose="02010609060101010101" pitchFamily="49" charset="-122"/>
-                <a:ea typeface="黑体" panose="02010609060101010101" pitchFamily="49" charset="-122"/>
-              </a:rPr>
-              <a:t>GitLab</a:t>
-            </a:r>
-            <a:r>
-              <a:rPr lang="zh-CN" altLang="en-US" dirty="0">
-                <a:latin typeface="黑体" panose="02010609060101010101" pitchFamily="49" charset="-122"/>
-                <a:ea typeface="黑体" panose="02010609060101010101" pitchFamily="49" charset="-122"/>
-              </a:rPr>
-              <a:t>，原理共享与实验记录使用</a:t>
-            </a:r>
-            <a:r>
-              <a:rPr lang="en-US" altLang="zh-CN" dirty="0">
-                <a:latin typeface="黑体" panose="02010609060101010101" pitchFamily="49" charset="-122"/>
-                <a:ea typeface="黑体" panose="02010609060101010101" pitchFamily="49" charset="-122"/>
-              </a:rPr>
-              <a:t>Confluence</a:t>
-            </a:r>
-            <a:endParaRPr lang="en-US" dirty="0">
-              <a:latin typeface="黑体" panose="02010609060101010101" pitchFamily="49" charset="-122"/>
-              <a:ea typeface="黑体" panose="02010609060101010101" pitchFamily="49" charset="-122"/>
-            </a:endParaRPr>
-          </a:p>
-        </p:txBody>
-      </p:sp>
-      <p:sp>
-        <p:nvSpPr>
-          <p:cNvPr id="3" name="文本框 2">
-            <a:extLst>
-              <a:ext uri="{FF2B5EF4-FFF2-40B4-BE49-F238E27FC236}">
-                <a16:creationId xmlns:a16="http://schemas.microsoft.com/office/drawing/2014/main" id="{FB8898B2-2DEA-8BE9-89DE-590C86607347}"/>
-              </a:ext>
-            </a:extLst>
-          </p:cNvPr>
-          <p:cNvSpPr txBox="1"/>
-          <p:nvPr/>
-        </p:nvSpPr>
-        <p:spPr>
-          <a:xfrm>
-            <a:off x="690664" y="450263"/>
-            <a:ext cx="5612859" cy="830997"/>
-          </a:xfrm>
-          <a:prstGeom prst="rect">
-            <a:avLst/>
-          </a:prstGeom>
-          <a:noFill/>
-        </p:spPr>
-        <p:txBody>
-          <a:bodyPr wrap="square" rtlCol="0">
-            <a:spAutoFit/>
-          </a:bodyPr>
-          <a:lstStyle/>
-          <a:p>
-            <a:r>
-              <a:rPr lang="zh-CN" altLang="en-US" sz="4800" dirty="0">
-                <a:solidFill>
-                  <a:srgbClr val="C00000"/>
-                </a:solidFill>
-                <a:latin typeface="方正粗黑宋简体" panose="02000000000000000000" pitchFamily="2" charset="-122"/>
-                <a:ea typeface="方正粗黑宋简体" panose="02000000000000000000" pitchFamily="2" charset="-122"/>
-              </a:rPr>
-              <a:t>组员分工</a:t>
-            </a:r>
-            <a:endParaRPr lang="en-US" altLang="zh-CN" sz="4800" dirty="0">
-              <a:solidFill>
-                <a:srgbClr val="C00000"/>
-              </a:solidFill>
-              <a:latin typeface="方正粗黑宋简体" panose="02000000000000000000" pitchFamily="2" charset="-122"/>
-              <a:ea typeface="方正粗黑宋简体" panose="02000000000000000000" pitchFamily="2" charset="-122"/>
-            </a:endParaRPr>
-          </a:p>
-        </p:txBody>
-      </p:sp>
-    </p:spTree>
-    <p:extLst>
-      <p:ext uri="{BB962C8B-B14F-4D97-AF65-F5344CB8AC3E}">
-        <p14:creationId xmlns:p14="http://schemas.microsoft.com/office/powerpoint/2010/main" val="3330409007"/>
-      </p:ext>
-    </p:extLst>
-  </p:cSld>
-  <p:clrMapOvr>
-    <a:masterClrMapping/>
-  </p:clrMapOvr>
-</p:sld>
-</file>
-
-<file path=ppt/slides/slide8.xml><?xml version="1.0" encoding="utf-8"?>
-<p:sld xmlns:a="http://schemas.openxmlformats.org/drawingml/2006/main" xmlns:r="http://schemas.openxmlformats.org/officeDocument/2006/relationships" xmlns:p="http://schemas.openxmlformats.org/presentationml/2006/main">
-  <p:cSld>
-    <p:spTree>
-      <p:nvGrpSpPr>
-        <p:cNvPr id="1" name=""/>
-        <p:cNvGrpSpPr/>
-        <p:nvPr/>
-      </p:nvGrpSpPr>
-      <p:grpSpPr>
-        <a:xfrm>
-          <a:off x="0" y="0"/>
-          <a:ext cx="0" cy="0"/>
-          <a:chOff x="0" y="0"/>
-          <a:chExt cx="0" cy="0"/>
-        </a:xfrm>
-      </p:grpSpPr>
-      <p:sp>
-        <p:nvSpPr>
-          <p:cNvPr id="2" name="文本框 1">
-            <a:extLst>
-              <a:ext uri="{FF2B5EF4-FFF2-40B4-BE49-F238E27FC236}">
-                <a16:creationId xmlns:a16="http://schemas.microsoft.com/office/drawing/2014/main" id="{CF7AEFD0-CB04-A864-6E48-506BBEB5C4FD}"/>
-              </a:ext>
-            </a:extLst>
-          </p:cNvPr>
-          <p:cNvSpPr txBox="1"/>
-          <p:nvPr/>
-        </p:nvSpPr>
-        <p:spPr>
-          <a:xfrm>
-            <a:off x="690664" y="450263"/>
-            <a:ext cx="5612859" cy="830997"/>
-          </a:xfrm>
-          <a:prstGeom prst="rect">
-            <a:avLst/>
-          </a:prstGeom>
-          <a:noFill/>
-        </p:spPr>
-        <p:txBody>
-          <a:bodyPr wrap="square" rtlCol="0">
-            <a:spAutoFit/>
-          </a:bodyPr>
-          <a:lstStyle/>
-          <a:p>
-            <a:r>
-              <a:rPr lang="zh-CN" altLang="en-US" sz="4800" dirty="0">
-                <a:solidFill>
-                  <a:srgbClr val="C00000"/>
-                </a:solidFill>
-                <a:latin typeface="方正粗黑宋简体" panose="02000000000000000000" pitchFamily="2" charset="-122"/>
-                <a:ea typeface="方正粗黑宋简体" panose="02000000000000000000" pitchFamily="2" charset="-122"/>
-              </a:rPr>
-              <a:t>进度安排</a:t>
-            </a:r>
-            <a:endParaRPr lang="en-US" altLang="zh-CN" sz="4800" dirty="0">
-              <a:solidFill>
-                <a:srgbClr val="C00000"/>
-              </a:solidFill>
-              <a:latin typeface="方正粗黑宋简体" panose="02000000000000000000" pitchFamily="2" charset="-122"/>
-              <a:ea typeface="方正粗黑宋简体" panose="02000000000000000000" pitchFamily="2" charset="-122"/>
-            </a:endParaRPr>
-          </a:p>
-        </p:txBody>
-      </p:sp>
-      <p:graphicFrame>
-        <p:nvGraphicFramePr>
-          <p:cNvPr id="3" name="图示 2">
-            <a:extLst>
-              <a:ext uri="{FF2B5EF4-FFF2-40B4-BE49-F238E27FC236}">
-                <a16:creationId xmlns:a16="http://schemas.microsoft.com/office/drawing/2014/main" id="{90F9796A-8A99-DB06-2027-EBBFF7F6D560}"/>
-              </a:ext>
-            </a:extLst>
-          </p:cNvPr>
-          <p:cNvGraphicFramePr/>
-          <p:nvPr>
-            <p:extLst>
-              <p:ext uri="{D42A27DB-BD31-4B8C-83A1-F6EECF244321}">
-                <p14:modId xmlns:p14="http://schemas.microsoft.com/office/powerpoint/2010/main" val="3809149078"/>
-              </p:ext>
-            </p:extLst>
-          </p:nvPr>
-        </p:nvGraphicFramePr>
-        <p:xfrm>
-          <a:off x="431861" y="787940"/>
-          <a:ext cx="11212148" cy="5836595"/>
-        </p:xfrm>
-        <a:graphic>
-          <a:graphicData uri="http://schemas.openxmlformats.org/drawingml/2006/diagram">
-            <dgm:relIds xmlns:dgm="http://schemas.openxmlformats.org/drawingml/2006/diagram" xmlns:r="http://schemas.openxmlformats.org/officeDocument/2006/relationships" r:dm="rId2" r:lo="rId3" r:qs="rId4" r:cs="rId5"/>
-          </a:graphicData>
-        </a:graphic>
-      </p:graphicFrame>
-    </p:spTree>
-    <p:extLst>
-      <p:ext uri="{BB962C8B-B14F-4D97-AF65-F5344CB8AC3E}">
-        <p14:creationId xmlns:p14="http://schemas.microsoft.com/office/powerpoint/2010/main" val="3629650318"/>
       </p:ext>
     </p:extLst>
   </p:cSld>
@@ -14934,4 +16714,299 @@
     </a:ext>
   </a:extLst>
 </a:theme>
+</file>
+
+<file path=ppt/theme/theme2.xml><?xml version="1.0" encoding="utf-8"?>
+<a:theme xmlns:a="http://schemas.openxmlformats.org/drawingml/2006/main" name="Office 主题​​">
+  <a:themeElements>
+    <a:clrScheme name="Office">
+      <a:dk1>
+        <a:sysClr val="windowText" lastClr="000000"/>
+      </a:dk1>
+      <a:lt1>
+        <a:sysClr val="window" lastClr="FFFFFF"/>
+      </a:lt1>
+      <a:dk2>
+        <a:srgbClr val="44546A"/>
+      </a:dk2>
+      <a:lt2>
+        <a:srgbClr val="E7E6E6"/>
+      </a:lt2>
+      <a:accent1>
+        <a:srgbClr val="4472C4"/>
+      </a:accent1>
+      <a:accent2>
+        <a:srgbClr val="ED7D31"/>
+      </a:accent2>
+      <a:accent3>
+        <a:srgbClr val="A5A5A5"/>
+      </a:accent3>
+      <a:accent4>
+        <a:srgbClr val="FFC000"/>
+      </a:accent4>
+      <a:accent5>
+        <a:srgbClr val="5B9BD5"/>
+      </a:accent5>
+      <a:accent6>
+        <a:srgbClr val="70AD47"/>
+      </a:accent6>
+      <a:hlink>
+        <a:srgbClr val="0563C1"/>
+      </a:hlink>
+      <a:folHlink>
+        <a:srgbClr val="954F72"/>
+      </a:folHlink>
+    </a:clrScheme>
+    <a:fontScheme name="Office">
+      <a:majorFont>
+        <a:latin typeface="等线 Light" panose="020F0302020204030204"/>
+        <a:ea typeface=""/>
+        <a:cs typeface=""/>
+        <a:font script="Jpan" typeface="游ゴシック Light"/>
+        <a:font script="Hang" typeface="맑은 고딕"/>
+        <a:font script="Hans" typeface="等线 Light"/>
+        <a:font script="Hant" typeface="新細明體"/>
+        <a:font script="Arab" typeface="Times New Roman"/>
+        <a:font script="Hebr" typeface="Times New Roman"/>
+        <a:font script="Thai" typeface="Angsana New"/>
+        <a:font script="Ethi" typeface="Nyala"/>
+        <a:font script="Beng" typeface="Vrinda"/>
+        <a:font script="Gujr" typeface="Shruti"/>
+        <a:font script="Khmr" typeface="MoolBoran"/>
+        <a:font script="Knda" typeface="Tunga"/>
+        <a:font script="Guru" typeface="Raavi"/>
+        <a:font script="Cans" typeface="Euphemia"/>
+        <a:font script="Cher" typeface="Plantagenet Cherokee"/>
+        <a:font script="Yiii" typeface="Microsoft Yi Baiti"/>
+        <a:font script="Tibt" typeface="Microsoft Himalaya"/>
+        <a:font script="Thaa" typeface="MV Boli"/>
+        <a:font script="Deva" typeface="Mangal"/>
+        <a:font script="Telu" typeface="Gautami"/>
+        <a:font script="Taml" typeface="Latha"/>
+        <a:font script="Syrc" typeface="Estrangelo Edessa"/>
+        <a:font script="Orya" typeface="Kalinga"/>
+        <a:font script="Mlym" typeface="Kartika"/>
+        <a:font script="Laoo" typeface="DokChampa"/>
+        <a:font script="Sinh" typeface="Iskoola Pota"/>
+        <a:font script="Mong" typeface="Mongolian Baiti"/>
+        <a:font script="Viet" typeface="Times New Roman"/>
+        <a:font script="Uigh" typeface="Microsoft Uighur"/>
+        <a:font script="Geor" typeface="Sylfaen"/>
+        <a:font script="Armn" typeface="Arial"/>
+        <a:font script="Bugi" typeface="Leelawadee UI"/>
+        <a:font script="Bopo" typeface="Microsoft JhengHei"/>
+        <a:font script="Java" typeface="Javanese Text"/>
+        <a:font script="Lisu" typeface="Segoe UI"/>
+        <a:font script="Mymr" typeface="Myanmar Text"/>
+        <a:font script="Nkoo" typeface="Ebrima"/>
+        <a:font script="Olck" typeface="Nirmala UI"/>
+        <a:font script="Osma" typeface="Ebrima"/>
+        <a:font script="Phag" typeface="Phagspa"/>
+        <a:font script="Syrn" typeface="Estrangelo Edessa"/>
+        <a:font script="Syrj" typeface="Estrangelo Edessa"/>
+        <a:font script="Syre" typeface="Estrangelo Edessa"/>
+        <a:font script="Sora" typeface="Nirmala UI"/>
+        <a:font script="Tale" typeface="Microsoft Tai Le"/>
+        <a:font script="Talu" typeface="Microsoft New Tai Lue"/>
+        <a:font script="Tfng" typeface="Ebrima"/>
+      </a:majorFont>
+      <a:minorFont>
+        <a:latin typeface="等线" panose="020F0502020204030204"/>
+        <a:ea typeface=""/>
+        <a:cs typeface=""/>
+        <a:font script="Jpan" typeface="游ゴシック"/>
+        <a:font script="Hang" typeface="맑은 고딕"/>
+        <a:font script="Hans" typeface="等线"/>
+        <a:font script="Hant" typeface="新細明體"/>
+        <a:font script="Arab" typeface="Arial"/>
+        <a:font script="Hebr" typeface="Arial"/>
+        <a:font script="Thai" typeface="Cordia New"/>
+        <a:font script="Ethi" typeface="Nyala"/>
+        <a:font script="Beng" typeface="Vrinda"/>
+        <a:font script="Gujr" typeface="Shruti"/>
+        <a:font script="Khmr" typeface="DaunPenh"/>
+        <a:font script="Knda" typeface="Tunga"/>
+        <a:font script="Guru" typeface="Raavi"/>
+        <a:font script="Cans" typeface="Euphemia"/>
+        <a:font script="Cher" typeface="Plantagenet Cherokee"/>
+        <a:font script="Yiii" typeface="Microsoft Yi Baiti"/>
+        <a:font script="Tibt" typeface="Microsoft Himalaya"/>
+        <a:font script="Thaa" typeface="MV Boli"/>
+        <a:font script="Deva" typeface="Mangal"/>
+        <a:font script="Telu" typeface="Gautami"/>
+        <a:font script="Taml" typeface="Latha"/>
+        <a:font script="Syrc" typeface="Estrangelo Edessa"/>
+        <a:font script="Orya" typeface="Kalinga"/>
+        <a:font script="Mlym" typeface="Kartika"/>
+        <a:font script="Laoo" typeface="DokChampa"/>
+        <a:font script="Sinh" typeface="Iskoola Pota"/>
+        <a:font script="Mong" typeface="Mongolian Baiti"/>
+        <a:font script="Viet" typeface="Arial"/>
+        <a:font script="Uigh" typeface="Microsoft Uighur"/>
+        <a:font script="Geor" typeface="Sylfaen"/>
+        <a:font script="Armn" typeface="Arial"/>
+        <a:font script="Bugi" typeface="Leelawadee UI"/>
+        <a:font script="Bopo" typeface="Microsoft JhengHei"/>
+        <a:font script="Java" typeface="Javanese Text"/>
+        <a:font script="Lisu" typeface="Segoe UI"/>
+        <a:font script="Mymr" typeface="Myanmar Text"/>
+        <a:font script="Nkoo" typeface="Ebrima"/>
+        <a:font script="Olck" typeface="Nirmala UI"/>
+        <a:font script="Osma" typeface="Ebrima"/>
+        <a:font script="Phag" typeface="Phagspa"/>
+        <a:font script="Syrn" typeface="Estrangelo Edessa"/>
+        <a:font script="Syrj" typeface="Estrangelo Edessa"/>
+        <a:font script="Syre" typeface="Estrangelo Edessa"/>
+        <a:font script="Sora" typeface="Nirmala UI"/>
+        <a:font script="Tale" typeface="Microsoft Tai Le"/>
+        <a:font script="Talu" typeface="Microsoft New Tai Lue"/>
+        <a:font script="Tfng" typeface="Ebrima"/>
+      </a:minorFont>
+    </a:fontScheme>
+    <a:fmtScheme name="Office">
+      <a:fillStyleLst>
+        <a:solidFill>
+          <a:schemeClr val="phClr"/>
+        </a:solidFill>
+        <a:gradFill rotWithShape="1">
+          <a:gsLst>
+            <a:gs pos="0">
+              <a:schemeClr val="phClr">
+                <a:lumMod val="110000"/>
+                <a:satMod val="105000"/>
+                <a:tint val="67000"/>
+              </a:schemeClr>
+            </a:gs>
+            <a:gs pos="50000">
+              <a:schemeClr val="phClr">
+                <a:lumMod val="105000"/>
+                <a:satMod val="103000"/>
+                <a:tint val="73000"/>
+              </a:schemeClr>
+            </a:gs>
+            <a:gs pos="100000">
+              <a:schemeClr val="phClr">
+                <a:lumMod val="105000"/>
+                <a:satMod val="109000"/>
+                <a:tint val="81000"/>
+              </a:schemeClr>
+            </a:gs>
+          </a:gsLst>
+          <a:lin ang="5400000" scaled="0"/>
+        </a:gradFill>
+        <a:gradFill rotWithShape="1">
+          <a:gsLst>
+            <a:gs pos="0">
+              <a:schemeClr val="phClr">
+                <a:satMod val="103000"/>
+                <a:lumMod val="102000"/>
+                <a:tint val="94000"/>
+              </a:schemeClr>
+            </a:gs>
+            <a:gs pos="50000">
+              <a:schemeClr val="phClr">
+                <a:satMod val="110000"/>
+                <a:lumMod val="100000"/>
+                <a:shade val="100000"/>
+              </a:schemeClr>
+            </a:gs>
+            <a:gs pos="100000">
+              <a:schemeClr val="phClr">
+                <a:lumMod val="99000"/>
+                <a:satMod val="120000"/>
+                <a:shade val="78000"/>
+              </a:schemeClr>
+            </a:gs>
+          </a:gsLst>
+          <a:lin ang="5400000" scaled="0"/>
+        </a:gradFill>
+      </a:fillStyleLst>
+      <a:lnStyleLst>
+        <a:ln w="6350" cap="flat" cmpd="sng" algn="ctr">
+          <a:solidFill>
+            <a:schemeClr val="phClr"/>
+          </a:solidFill>
+          <a:prstDash val="solid"/>
+          <a:miter lim="800000"/>
+        </a:ln>
+        <a:ln w="12700" cap="flat" cmpd="sng" algn="ctr">
+          <a:solidFill>
+            <a:schemeClr val="phClr"/>
+          </a:solidFill>
+          <a:prstDash val="solid"/>
+          <a:miter lim="800000"/>
+        </a:ln>
+        <a:ln w="19050" cap="flat" cmpd="sng" algn="ctr">
+          <a:solidFill>
+            <a:schemeClr val="phClr"/>
+          </a:solidFill>
+          <a:prstDash val="solid"/>
+          <a:miter lim="800000"/>
+        </a:ln>
+      </a:lnStyleLst>
+      <a:effectStyleLst>
+        <a:effectStyle>
+          <a:effectLst/>
+        </a:effectStyle>
+        <a:effectStyle>
+          <a:effectLst/>
+        </a:effectStyle>
+        <a:effectStyle>
+          <a:effectLst>
+            <a:outerShdw blurRad="57150" dist="19050" dir="5400000" algn="ctr" rotWithShape="0">
+              <a:srgbClr val="000000">
+                <a:alpha val="63000"/>
+              </a:srgbClr>
+            </a:outerShdw>
+          </a:effectLst>
+        </a:effectStyle>
+      </a:effectStyleLst>
+      <a:bgFillStyleLst>
+        <a:solidFill>
+          <a:schemeClr val="phClr"/>
+        </a:solidFill>
+        <a:solidFill>
+          <a:schemeClr val="phClr">
+            <a:tint val="95000"/>
+            <a:satMod val="170000"/>
+          </a:schemeClr>
+        </a:solidFill>
+        <a:gradFill rotWithShape="1">
+          <a:gsLst>
+            <a:gs pos="0">
+              <a:schemeClr val="phClr">
+                <a:tint val="93000"/>
+                <a:satMod val="150000"/>
+                <a:shade val="98000"/>
+                <a:lumMod val="102000"/>
+              </a:schemeClr>
+            </a:gs>
+            <a:gs pos="50000">
+              <a:schemeClr val="phClr">
+                <a:tint val="98000"/>
+                <a:satMod val="130000"/>
+                <a:shade val="90000"/>
+                <a:lumMod val="103000"/>
+              </a:schemeClr>
+            </a:gs>
+            <a:gs pos="100000">
+              <a:schemeClr val="phClr">
+                <a:shade val="63000"/>
+                <a:satMod val="120000"/>
+              </a:schemeClr>
+            </a:gs>
+          </a:gsLst>
+          <a:lin ang="5400000" scaled="0"/>
+        </a:gradFill>
+      </a:bgFillStyleLst>
+    </a:fmtScheme>
+  </a:themeElements>
+  <a:objectDefaults/>
+  <a:extraClrSchemeLst/>
+  <a:extLst>
+    <a:ext uri="{05A4C25C-085E-4340-85A3-A5531E510DB2}">
+      <thm15:themeFamily xmlns:thm15="http://schemas.microsoft.com/office/thememl/2012/main" name="Office Theme" id="{62F939B6-93AF-4DB8-9C6B-D6C7DFDC589F}" vid="{4A3C46E8-61CC-4603-A589-7422A47A8E4A}"/>
+    </a:ext>
+  </a:extLst>
+</a:theme>
 </file>
--- a/开题报告 周弘毅 钟吴子正 陈骤 魏毓瞳.pptx
+++ b/开题报告 周弘毅 钟吴子正 陈骤 魏毓瞳.pptx
@@ -124,6 +124,42 @@
     </p:ext>
   </p:extLst>
 </p:presentation>
+</file>
+
+<file path=ppt/changesInfos/changesInfo1.xml><?xml version="1.0" encoding="utf-8"?>
+<pc:chgInfo xmlns:a="http://schemas.openxmlformats.org/drawingml/2006/main" xmlns:r="http://schemas.openxmlformats.org/officeDocument/2006/relationships" xmlns:ac="http://schemas.microsoft.com/office/drawing/2013/main/command" xmlns:pc="http://schemas.microsoft.com/office/powerpoint/2013/main/command">
+  <pc:docChgLst>
+    <pc:chgData name="Cooper Chou" userId="8bde3e9f-93d0-4b53-9296-d2f5add85f72" providerId="ADAL" clId="{30041094-ED78-453C-A38A-96247BB07B42}"/>
+    <pc:docChg chg="addSld delSld modSld">
+      <pc:chgData name="Cooper Chou" userId="8bde3e9f-93d0-4b53-9296-d2f5add85f72" providerId="ADAL" clId="{30041094-ED78-453C-A38A-96247BB07B42}" dt="2022-12-27T15:15:34.367" v="2" actId="47"/>
+      <pc:docMkLst>
+        <pc:docMk/>
+      </pc:docMkLst>
+      <pc:sldChg chg="modSp mod">
+        <pc:chgData name="Cooper Chou" userId="8bde3e9f-93d0-4b53-9296-d2f5add85f72" providerId="ADAL" clId="{30041094-ED78-453C-A38A-96247BB07B42}" dt="2022-12-27T08:12:48.973" v="0" actId="207"/>
+        <pc:sldMkLst>
+          <pc:docMk/>
+          <pc:sldMk cId="132753636" sldId="256"/>
+        </pc:sldMkLst>
+        <pc:spChg chg="mod">
+          <ac:chgData name="Cooper Chou" userId="8bde3e9f-93d0-4b53-9296-d2f5add85f72" providerId="ADAL" clId="{30041094-ED78-453C-A38A-96247BB07B42}" dt="2022-12-27T08:12:48.973" v="0" actId="207"/>
+          <ac:spMkLst>
+            <pc:docMk/>
+            <pc:sldMk cId="132753636" sldId="256"/>
+            <ac:spMk id="4" creationId="{B6FFE306-D22E-89E9-5C33-308622AAA5E8}"/>
+          </ac:spMkLst>
+        </pc:spChg>
+      </pc:sldChg>
+      <pc:sldChg chg="add del">
+        <pc:chgData name="Cooper Chou" userId="8bde3e9f-93d0-4b53-9296-d2f5add85f72" providerId="ADAL" clId="{30041094-ED78-453C-A38A-96247BB07B42}" dt="2022-12-27T15:15:34.367" v="2" actId="47"/>
+        <pc:sldMkLst>
+          <pc:docMk/>
+          <pc:sldMk cId="943695402" sldId="272"/>
+        </pc:sldMkLst>
+      </pc:sldChg>
+    </pc:docChg>
+  </pc:docChgLst>
+</pc:chgInfo>
 </file>
 
 <file path=ppt/diagrams/colors1.xml><?xml version="1.0" encoding="utf-8"?>
@@ -8929,7 +8965,7 @@
           <a:p>
             <a:fld id="{38F9DC1B-1992-42C9-984D-B5C8D0239BB5}" type="datetimeFigureOut">
               <a:rPr lang="zh-CN" altLang="en-US" smtClean="0"/>
-              <a:t>2022.10.8</a:t>
+              <a:t>2022.12.27</a:t>
             </a:fld>
             <a:endParaRPr lang="zh-CN" altLang="en-US"/>
           </a:p>
@@ -9427,7 +9463,7 @@
           <a:p>
             <a:fld id="{9E0E8ED6-00B6-4509-AA5D-DD3E7B86573B}" type="datetimeFigureOut">
               <a:rPr lang="zh-CN" altLang="en-US" smtClean="0"/>
-              <a:t>2022.10.8</a:t>
+              <a:t>2022.12.27</a:t>
             </a:fld>
             <a:endParaRPr lang="zh-CN" altLang="en-US"/>
           </a:p>
@@ -9625,7 +9661,7 @@
           <a:p>
             <a:fld id="{9E0E8ED6-00B6-4509-AA5D-DD3E7B86573B}" type="datetimeFigureOut">
               <a:rPr lang="zh-CN" altLang="en-US" smtClean="0"/>
-              <a:t>2022.10.8</a:t>
+              <a:t>2022.12.27</a:t>
             </a:fld>
             <a:endParaRPr lang="zh-CN" altLang="en-US"/>
           </a:p>
@@ -9833,7 +9869,7 @@
           <a:p>
             <a:fld id="{9E0E8ED6-00B6-4509-AA5D-DD3E7B86573B}" type="datetimeFigureOut">
               <a:rPr lang="zh-CN" altLang="en-US" smtClean="0"/>
-              <a:t>2022.10.8</a:t>
+              <a:t>2022.12.27</a:t>
             </a:fld>
             <a:endParaRPr lang="zh-CN" altLang="en-US"/>
           </a:p>
@@ -10031,7 +10067,7 @@
           <a:p>
             <a:fld id="{9E0E8ED6-00B6-4509-AA5D-DD3E7B86573B}" type="datetimeFigureOut">
               <a:rPr lang="zh-CN" altLang="en-US" smtClean="0"/>
-              <a:t>2022.10.8</a:t>
+              <a:t>2022.12.27</a:t>
             </a:fld>
             <a:endParaRPr lang="zh-CN" altLang="en-US"/>
           </a:p>
@@ -10306,7 +10342,7 @@
           <a:p>
             <a:fld id="{9E0E8ED6-00B6-4509-AA5D-DD3E7B86573B}" type="datetimeFigureOut">
               <a:rPr lang="zh-CN" altLang="en-US" smtClean="0"/>
-              <a:t>2022.10.8</a:t>
+              <a:t>2022.12.27</a:t>
             </a:fld>
             <a:endParaRPr lang="zh-CN" altLang="en-US"/>
           </a:p>
@@ -10571,7 +10607,7 @@
           <a:p>
             <a:fld id="{9E0E8ED6-00B6-4509-AA5D-DD3E7B86573B}" type="datetimeFigureOut">
               <a:rPr lang="zh-CN" altLang="en-US" smtClean="0"/>
-              <a:t>2022.10.8</a:t>
+              <a:t>2022.12.27</a:t>
             </a:fld>
             <a:endParaRPr lang="zh-CN" altLang="en-US"/>
           </a:p>
@@ -10983,7 +11019,7 @@
           <a:p>
             <a:fld id="{9E0E8ED6-00B6-4509-AA5D-DD3E7B86573B}" type="datetimeFigureOut">
               <a:rPr lang="zh-CN" altLang="en-US" smtClean="0"/>
-              <a:t>2022.10.8</a:t>
+              <a:t>2022.12.27</a:t>
             </a:fld>
             <a:endParaRPr lang="zh-CN" altLang="en-US"/>
           </a:p>
@@ -11124,7 +11160,7 @@
           <a:p>
             <a:fld id="{9E0E8ED6-00B6-4509-AA5D-DD3E7B86573B}" type="datetimeFigureOut">
               <a:rPr lang="zh-CN" altLang="en-US" smtClean="0"/>
-              <a:t>2022.10.8</a:t>
+              <a:t>2022.12.27</a:t>
             </a:fld>
             <a:endParaRPr lang="zh-CN" altLang="en-US"/>
           </a:p>
@@ -11237,7 +11273,7 @@
           <a:p>
             <a:fld id="{9E0E8ED6-00B6-4509-AA5D-DD3E7B86573B}" type="datetimeFigureOut">
               <a:rPr lang="zh-CN" altLang="en-US" smtClean="0"/>
-              <a:t>2022.10.8</a:t>
+              <a:t>2022.12.27</a:t>
             </a:fld>
             <a:endParaRPr lang="zh-CN" altLang="en-US"/>
           </a:p>
@@ -11548,7 +11584,7 @@
           <a:p>
             <a:fld id="{9E0E8ED6-00B6-4509-AA5D-DD3E7B86573B}" type="datetimeFigureOut">
               <a:rPr lang="zh-CN" altLang="en-US" smtClean="0"/>
-              <a:t>2022.10.8</a:t>
+              <a:t>2022.12.27</a:t>
             </a:fld>
             <a:endParaRPr lang="zh-CN" altLang="en-US"/>
           </a:p>
@@ -11836,7 +11872,7 @@
           <a:p>
             <a:fld id="{9E0E8ED6-00B6-4509-AA5D-DD3E7B86573B}" type="datetimeFigureOut">
               <a:rPr lang="zh-CN" altLang="en-US" smtClean="0"/>
-              <a:t>2022.10.8</a:t>
+              <a:t>2022.12.27</a:t>
             </a:fld>
             <a:endParaRPr lang="zh-CN" altLang="en-US"/>
           </a:p>
@@ -12087,7 +12123,7 @@
           <a:p>
             <a:fld id="{9E0E8ED6-00B6-4509-AA5D-DD3E7B86573B}" type="datetimeFigureOut">
               <a:rPr lang="zh-CN" altLang="en-US" smtClean="0"/>
-              <a:t>2022.10.8</a:t>
+              <a:t>2022.12.27</a:t>
             </a:fld>
             <a:endParaRPr lang="zh-CN" altLang="en-US"/>
           </a:p>
@@ -12598,6 +12634,12 @@
             </a:pPr>
             <a:r>
               <a:rPr lang="en-US" altLang="zh-CN" sz="2400" dirty="0">
+                <a:solidFill>
+                  <a:schemeClr val="tx1">
+                    <a:lumMod val="50000"/>
+                    <a:lumOff val="50000"/>
+                  </a:schemeClr>
+                </a:solidFill>
                 <a:latin typeface="方正粗黑宋简体" panose="02000000000000000000" pitchFamily="2" charset="-122"/>
                 <a:ea typeface="方正粗黑宋简体" panose="02000000000000000000" pitchFamily="2" charset="-122"/>
               </a:rPr>
@@ -12605,6 +12647,12 @@
             </a:r>
             <a:r>
               <a:rPr lang="zh-CN" altLang="en-US" sz="2400" dirty="0">
+                <a:solidFill>
+                  <a:schemeClr val="tx1">
+                    <a:lumMod val="50000"/>
+                    <a:lumOff val="50000"/>
+                  </a:schemeClr>
+                </a:solidFill>
                 <a:latin typeface="方正粗黑宋简体" panose="02000000000000000000" pitchFamily="2" charset="-122"/>
                 <a:ea typeface="方正粗黑宋简体" panose="02000000000000000000" pitchFamily="2" charset="-122"/>
               </a:rPr>
@@ -12612,12 +12660,24 @@
             </a:r>
             <a:r>
               <a:rPr lang="en-US" altLang="zh-CN" sz="2400" dirty="0">
+                <a:solidFill>
+                  <a:schemeClr val="tx1">
+                    <a:lumMod val="50000"/>
+                    <a:lumOff val="50000"/>
+                  </a:schemeClr>
+                </a:solidFill>
                 <a:latin typeface="方正粗黑宋简体" panose="02000000000000000000" pitchFamily="2" charset="-122"/>
                 <a:ea typeface="方正粗黑宋简体" panose="02000000000000000000" pitchFamily="2" charset="-122"/>
               </a:rPr>
               <a:t>----</a:t>
             </a:r>
             <a:endParaRPr lang="en-US" altLang="zh-CN" sz="1800" kern="100" dirty="0">
+              <a:solidFill>
+                <a:schemeClr val="tx1">
+                  <a:lumMod val="50000"/>
+                  <a:lumOff val="50000"/>
+                </a:schemeClr>
+              </a:solidFill>
               <a:effectLst/>
               <a:latin typeface="方正粗黑宋简体" panose="02000000000000000000" pitchFamily="2" charset="-122"/>
               <a:ea typeface="方正粗黑宋简体" panose="02000000000000000000" pitchFamily="2" charset="-122"/>
@@ -12632,6 +12692,12 @@
             </a:pPr>
             <a:r>
               <a:rPr lang="zh-CN" altLang="en-US" sz="2800" kern="100" dirty="0">
+                <a:solidFill>
+                  <a:schemeClr val="tx1">
+                    <a:lumMod val="50000"/>
+                    <a:lumOff val="50000"/>
+                  </a:schemeClr>
+                </a:solidFill>
                 <a:effectLst/>
                 <a:latin typeface="方正粗黑宋简体" panose="02000000000000000000" pitchFamily="2" charset="-122"/>
                 <a:ea typeface="方正粗黑宋简体" panose="02000000000000000000" pitchFamily="2" charset="-122"/>
@@ -12640,6 +12706,12 @@
               <a:t>周弘毅 钟吴子正 陈骤 魏毓瞳</a:t>
             </a:r>
             <a:endParaRPr lang="zh-CN" altLang="zh-CN" sz="2800" kern="100" dirty="0">
+              <a:solidFill>
+                <a:schemeClr val="tx1">
+                  <a:lumMod val="50000"/>
+                  <a:lumOff val="50000"/>
+                </a:schemeClr>
+              </a:solidFill>
               <a:effectLst/>
               <a:latin typeface="方正粗黑宋简体" panose="02000000000000000000" pitchFamily="2" charset="-122"/>
               <a:ea typeface="方正粗黑宋简体" panose="02000000000000000000" pitchFamily="2" charset="-122"/>
